--- a/MLB Presentation.pptx
+++ b/MLB Presentation.pptx
@@ -754,7 +754,7 @@
         <p:spPr>
           <a:xfrm>
             <a:off x="381300" y="685800"/>
-            <a:ext cx="6096075" cy="3429000"/>
+            <a:ext cx="6096000" cy="3429000"/>
           </a:xfrm>
           <a:custGeom>
             <a:rect b="b" l="l" r="r" t="t"/>
@@ -830,7 +830,7 @@
   <p:cSld>
     <p:spTree>
       <p:nvGrpSpPr>
-        <p:cNvPr id="139" name="Shape 139"/>
+        <p:cNvPr id="140" name="Shape 140"/>
         <p:cNvGrpSpPr/>
         <p:nvPr/>
       </p:nvGrpSpPr>
@@ -844,7 +844,7 @@
       </p:grpSpPr>
       <p:sp>
         <p:nvSpPr>
-          <p:cNvPr id="140" name="Google Shape;140;g22214639bc6_0_996:notes"/>
+          <p:cNvPr id="141" name="Google Shape;141;g22214639bc6_0_1015:notes"/>
           <p:cNvSpPr/>
           <p:nvPr>
             <p:ph idx="2" type="sldImg"/>
@@ -879,7 +879,7 @@
       </p:sp>
       <p:sp>
         <p:nvSpPr>
-          <p:cNvPr id="141" name="Google Shape;141;g22214639bc6_0_996:notes"/>
+          <p:cNvPr id="142" name="Google Shape;142;g22214639bc6_0_1015:notes"/>
           <p:cNvSpPr txBox="1"/>
           <p:nvPr>
             <p:ph idx="1" type="body"/>
@@ -929,7 +929,7 @@
   <p:cSld>
     <p:spTree>
       <p:nvGrpSpPr>
-        <p:cNvPr id="146" name="Shape 146"/>
+        <p:cNvPr id="148" name="Shape 148"/>
         <p:cNvGrpSpPr/>
         <p:nvPr/>
       </p:nvGrpSpPr>
@@ -943,7 +943,7 @@
       </p:grpSpPr>
       <p:sp>
         <p:nvSpPr>
-          <p:cNvPr id="147" name="Google Shape;147;g22214639bc6_0_1005:notes"/>
+          <p:cNvPr id="149" name="Google Shape;149;g22214639bc6_0_1024:notes"/>
           <p:cNvSpPr/>
           <p:nvPr>
             <p:ph idx="2" type="sldImg"/>
@@ -978,7 +978,7 @@
       </p:sp>
       <p:sp>
         <p:nvSpPr>
-          <p:cNvPr id="148" name="Google Shape;148;g22214639bc6_0_1005:notes"/>
+          <p:cNvPr id="150" name="Google Shape;150;g22214639bc6_0_1024:notes"/>
           <p:cNvSpPr txBox="1"/>
           <p:nvPr>
             <p:ph idx="1" type="body"/>
@@ -1028,7 +1028,7 @@
   <p:cSld>
     <p:spTree>
       <p:nvGrpSpPr>
-        <p:cNvPr id="153" name="Shape 153"/>
+        <p:cNvPr id="155" name="Shape 155"/>
         <p:cNvGrpSpPr/>
         <p:nvPr/>
       </p:nvGrpSpPr>
@@ -1042,7 +1042,7 @@
       </p:grpSpPr>
       <p:sp>
         <p:nvSpPr>
-          <p:cNvPr id="154" name="Google Shape;154;g22214639bc6_0_1015:notes"/>
+          <p:cNvPr id="156" name="Google Shape;156;g22214639bc6_0_1005:notes"/>
           <p:cNvSpPr/>
           <p:nvPr>
             <p:ph idx="2" type="sldImg"/>
@@ -1077,7 +1077,7 @@
       </p:sp>
       <p:sp>
         <p:nvSpPr>
-          <p:cNvPr id="155" name="Google Shape;155;g22214639bc6_0_1015:notes"/>
+          <p:cNvPr id="157" name="Google Shape;157;g22214639bc6_0_1005:notes"/>
           <p:cNvSpPr txBox="1"/>
           <p:nvPr>
             <p:ph idx="1" type="body"/>
@@ -1127,7 +1127,7 @@
   <p:cSld>
     <p:spTree>
       <p:nvGrpSpPr>
-        <p:cNvPr id="161" name="Shape 161"/>
+        <p:cNvPr id="162" name="Shape 162"/>
         <p:cNvGrpSpPr/>
         <p:nvPr/>
       </p:nvGrpSpPr>
@@ -1141,7 +1141,7 @@
       </p:grpSpPr>
       <p:sp>
         <p:nvSpPr>
-          <p:cNvPr id="162" name="Google Shape;162;g22214639bc6_0_1024:notes"/>
+          <p:cNvPr id="163" name="Google Shape;163;g22214639bc6_0_1031:notes"/>
           <p:cNvSpPr/>
           <p:nvPr>
             <p:ph idx="2" type="sldImg"/>
@@ -1176,7 +1176,7 @@
       </p:sp>
       <p:sp>
         <p:nvSpPr>
-          <p:cNvPr id="163" name="Google Shape;163;g22214639bc6_0_1024:notes"/>
+          <p:cNvPr id="164" name="Google Shape;164;g22214639bc6_0_1031:notes"/>
           <p:cNvSpPr txBox="1"/>
           <p:nvPr>
             <p:ph idx="1" type="body"/>
@@ -1226,7 +1226,7 @@
   <p:cSld>
     <p:spTree>
       <p:nvGrpSpPr>
-        <p:cNvPr id="168" name="Shape 168"/>
+        <p:cNvPr id="169" name="Shape 169"/>
         <p:cNvGrpSpPr/>
         <p:nvPr/>
       </p:nvGrpSpPr>
@@ -1240,7 +1240,7 @@
       </p:grpSpPr>
       <p:sp>
         <p:nvSpPr>
-          <p:cNvPr id="169" name="Google Shape;169;g22214639bc6_0_1031:notes"/>
+          <p:cNvPr id="170" name="Google Shape;170;g22214639bc6_0_1038:notes"/>
           <p:cNvSpPr/>
           <p:nvPr>
             <p:ph idx="2" type="sldImg"/>
@@ -1275,7 +1275,7 @@
       </p:sp>
       <p:sp>
         <p:nvSpPr>
-          <p:cNvPr id="170" name="Google Shape;170;g22214639bc6_0_1031:notes"/>
+          <p:cNvPr id="171" name="Google Shape;171;g22214639bc6_0_1038:notes"/>
           <p:cNvSpPr txBox="1"/>
           <p:nvPr>
             <p:ph idx="1" type="body"/>
@@ -1339,7 +1339,7 @@
       </p:grpSpPr>
       <p:sp>
         <p:nvSpPr>
-          <p:cNvPr id="176" name="Google Shape;176;g22214639bc6_0_1038:notes"/>
+          <p:cNvPr id="176" name="Google Shape;176;g22214639bc6_0_1045:notes"/>
           <p:cNvSpPr/>
           <p:nvPr>
             <p:ph idx="2" type="sldImg"/>
@@ -1374,7 +1374,7 @@
       </p:sp>
       <p:sp>
         <p:nvSpPr>
-          <p:cNvPr id="177" name="Google Shape;177;g22214639bc6_0_1038:notes"/>
+          <p:cNvPr id="177" name="Google Shape;177;g22214639bc6_0_1045:notes"/>
           <p:cNvSpPr txBox="1"/>
           <p:nvPr>
             <p:ph idx="1" type="body"/>
@@ -1424,7 +1424,7 @@
   <p:cSld>
     <p:spTree>
       <p:nvGrpSpPr>
-        <p:cNvPr id="181" name="Shape 181"/>
+        <p:cNvPr id="182" name="Shape 182"/>
         <p:cNvGrpSpPr/>
         <p:nvPr/>
       </p:nvGrpSpPr>
@@ -1438,7 +1438,7 @@
       </p:grpSpPr>
       <p:sp>
         <p:nvSpPr>
-          <p:cNvPr id="182" name="Google Shape;182;g22214639bc6_0_1045:notes"/>
+          <p:cNvPr id="183" name="Google Shape;183;g22214639bc6_0_1052:notes"/>
           <p:cNvSpPr/>
           <p:nvPr>
             <p:ph idx="2" type="sldImg"/>
@@ -1473,7 +1473,7 @@
       </p:sp>
       <p:sp>
         <p:nvSpPr>
-          <p:cNvPr id="183" name="Google Shape;183;g22214639bc6_0_1045:notes"/>
+          <p:cNvPr id="184" name="Google Shape;184;g22214639bc6_0_1052:notes"/>
           <p:cNvSpPr txBox="1"/>
           <p:nvPr>
             <p:ph idx="1" type="body"/>
@@ -1523,7 +1523,7 @@
   <p:cSld>
     <p:spTree>
       <p:nvGrpSpPr>
-        <p:cNvPr id="188" name="Shape 188"/>
+        <p:cNvPr id="189" name="Shape 189"/>
         <p:cNvGrpSpPr/>
         <p:nvPr/>
       </p:nvGrpSpPr>
@@ -1537,7 +1537,7 @@
       </p:grpSpPr>
       <p:sp>
         <p:nvSpPr>
-          <p:cNvPr id="189" name="Google Shape;189;g22214639bc6_0_1052:notes"/>
+          <p:cNvPr id="190" name="Google Shape;190;g22214639bc6_0_1059:notes"/>
           <p:cNvSpPr/>
           <p:nvPr>
             <p:ph idx="2" type="sldImg"/>
@@ -1572,7 +1572,7 @@
       </p:sp>
       <p:sp>
         <p:nvSpPr>
-          <p:cNvPr id="190" name="Google Shape;190;g22214639bc6_0_1052:notes"/>
+          <p:cNvPr id="191" name="Google Shape;191;g22214639bc6_0_1059:notes"/>
           <p:cNvSpPr txBox="1"/>
           <p:nvPr>
             <p:ph idx="1" type="body"/>
@@ -1622,7 +1622,7 @@
   <p:cSld>
     <p:spTree>
       <p:nvGrpSpPr>
-        <p:cNvPr id="195" name="Shape 195"/>
+        <p:cNvPr id="196" name="Shape 196"/>
         <p:cNvGrpSpPr/>
         <p:nvPr/>
       </p:nvGrpSpPr>
@@ -1636,7 +1636,7 @@
       </p:grpSpPr>
       <p:sp>
         <p:nvSpPr>
-          <p:cNvPr id="196" name="Google Shape;196;g22214639bc6_0_1059:notes"/>
+          <p:cNvPr id="197" name="Google Shape;197;g22214639bc6_0_1067:notes"/>
           <p:cNvSpPr/>
           <p:nvPr>
             <p:ph idx="2" type="sldImg"/>
@@ -1671,7 +1671,7 @@
       </p:sp>
       <p:sp>
         <p:nvSpPr>
-          <p:cNvPr id="197" name="Google Shape;197;g22214639bc6_0_1059:notes"/>
+          <p:cNvPr id="198" name="Google Shape;198;g22214639bc6_0_1067:notes"/>
           <p:cNvSpPr txBox="1"/>
           <p:nvPr>
             <p:ph idx="1" type="body"/>
@@ -1735,7 +1735,7 @@
       </p:grpSpPr>
       <p:sp>
         <p:nvSpPr>
-          <p:cNvPr id="203" name="Google Shape;203;g22214639bc6_0_1067:notes"/>
+          <p:cNvPr id="203" name="Google Shape;203;g22214639bc6_0_977:notes"/>
           <p:cNvSpPr/>
           <p:nvPr>
             <p:ph idx="2" type="sldImg"/>
@@ -1770,7 +1770,7 @@
       </p:sp>
       <p:sp>
         <p:nvSpPr>
-          <p:cNvPr id="204" name="Google Shape;204;g22214639bc6_0_1067:notes"/>
+          <p:cNvPr id="204" name="Google Shape;204;g22214639bc6_0_977:notes"/>
           <p:cNvSpPr txBox="1"/>
           <p:nvPr>
             <p:ph idx="1" type="body"/>
@@ -1820,7 +1820,7 @@
   <p:cSld>
     <p:spTree>
       <p:nvGrpSpPr>
-        <p:cNvPr id="87" name="Shape 87"/>
+        <p:cNvPr id="88" name="Shape 88"/>
         <p:cNvGrpSpPr/>
         <p:nvPr/>
       </p:nvGrpSpPr>
@@ -1834,7 +1834,7 @@
       </p:grpSpPr>
       <p:sp>
         <p:nvSpPr>
-          <p:cNvPr id="88" name="Google Shape;88;g22214639bc6_0_270:notes"/>
+          <p:cNvPr id="89" name="Google Shape;89;g22214639bc6_0_270:notes"/>
           <p:cNvSpPr/>
           <p:nvPr>
             <p:ph idx="2" type="sldImg"/>
@@ -1869,7 +1869,7 @@
       </p:sp>
       <p:sp>
         <p:nvSpPr>
-          <p:cNvPr id="89" name="Google Shape;89;g22214639bc6_0_270:notes"/>
+          <p:cNvPr id="90" name="Google Shape;90;g22214639bc6_0_270:notes"/>
           <p:cNvSpPr txBox="1"/>
           <p:nvPr>
             <p:ph idx="1" type="body"/>
@@ -1919,7 +1919,7 @@
   <p:cSld>
     <p:spTree>
       <p:nvGrpSpPr>
-        <p:cNvPr id="208" name="Shape 208"/>
+        <p:cNvPr id="209" name="Shape 209"/>
         <p:cNvGrpSpPr/>
         <p:nvPr/>
       </p:nvGrpSpPr>
@@ -1933,7 +1933,7 @@
       </p:grpSpPr>
       <p:sp>
         <p:nvSpPr>
-          <p:cNvPr id="209" name="Google Shape;209;g22214639bc6_0_1074:notes"/>
+          <p:cNvPr id="210" name="Google Shape;210;g22214639bc6_0_1074:notes"/>
           <p:cNvSpPr/>
           <p:nvPr>
             <p:ph idx="2" type="sldImg"/>
@@ -1968,7 +1968,7 @@
       </p:sp>
       <p:sp>
         <p:nvSpPr>
-          <p:cNvPr id="210" name="Google Shape;210;g22214639bc6_0_1074:notes"/>
+          <p:cNvPr id="211" name="Google Shape;211;g22214639bc6_0_1074:notes"/>
           <p:cNvSpPr txBox="1"/>
           <p:nvPr>
             <p:ph idx="1" type="body"/>
@@ -2018,7 +2018,7 @@
   <p:cSld>
     <p:spTree>
       <p:nvGrpSpPr>
-        <p:cNvPr id="215" name="Shape 215"/>
+        <p:cNvPr id="216" name="Shape 216"/>
         <p:cNvGrpSpPr/>
         <p:nvPr/>
       </p:nvGrpSpPr>
@@ -2032,7 +2032,7 @@
       </p:grpSpPr>
       <p:sp>
         <p:nvSpPr>
-          <p:cNvPr id="216" name="Google Shape;216;g22225f4d0e6_0_4:notes"/>
+          <p:cNvPr id="217" name="Google Shape;217;g22225f4d0e6_0_4:notes"/>
           <p:cNvSpPr/>
           <p:nvPr>
             <p:ph idx="2" type="sldImg"/>
@@ -2067,7 +2067,7 @@
       </p:sp>
       <p:sp>
         <p:nvSpPr>
-          <p:cNvPr id="217" name="Google Shape;217;g22225f4d0e6_0_4:notes"/>
+          <p:cNvPr id="218" name="Google Shape;218;g22225f4d0e6_0_4:notes"/>
           <p:cNvSpPr txBox="1"/>
           <p:nvPr>
             <p:ph idx="1" type="body"/>
@@ -2117,7 +2117,7 @@
   <p:cSld>
     <p:spTree>
       <p:nvGrpSpPr>
-        <p:cNvPr id="221" name="Shape 221"/>
+        <p:cNvPr id="222" name="Shape 222"/>
         <p:cNvGrpSpPr/>
         <p:nvPr/>
       </p:nvGrpSpPr>
@@ -2131,7 +2131,7 @@
       </p:grpSpPr>
       <p:sp>
         <p:nvSpPr>
-          <p:cNvPr id="222" name="Google Shape;222;g22225f4d0e6_0_10:notes"/>
+          <p:cNvPr id="223" name="Google Shape;223;g22225f4d0e6_0_10:notes"/>
           <p:cNvSpPr/>
           <p:nvPr>
             <p:ph idx="2" type="sldImg"/>
@@ -2166,7 +2166,7 @@
       </p:sp>
       <p:sp>
         <p:nvSpPr>
-          <p:cNvPr id="223" name="Google Shape;223;g22225f4d0e6_0_10:notes"/>
+          <p:cNvPr id="224" name="Google Shape;224;g22225f4d0e6_0_10:notes"/>
           <p:cNvSpPr txBox="1"/>
           <p:nvPr>
             <p:ph idx="1" type="body"/>
@@ -2216,7 +2216,7 @@
   <p:cSld>
     <p:spTree>
       <p:nvGrpSpPr>
-        <p:cNvPr id="93" name="Shape 93"/>
+        <p:cNvPr id="94" name="Shape 94"/>
         <p:cNvGrpSpPr/>
         <p:nvPr/>
       </p:nvGrpSpPr>
@@ -2230,7 +2230,7 @@
       </p:grpSpPr>
       <p:sp>
         <p:nvSpPr>
-          <p:cNvPr id="94" name="Google Shape;94;g22214639bc6_0_952:notes"/>
+          <p:cNvPr id="95" name="Google Shape;95;g22214639bc6_0_952:notes"/>
           <p:cNvSpPr/>
           <p:nvPr>
             <p:ph idx="2" type="sldImg"/>
@@ -2265,7 +2265,7 @@
       </p:sp>
       <p:sp>
         <p:nvSpPr>
-          <p:cNvPr id="95" name="Google Shape;95;g22214639bc6_0_952:notes"/>
+          <p:cNvPr id="96" name="Google Shape;96;g22214639bc6_0_952:notes"/>
           <p:cNvSpPr txBox="1"/>
           <p:nvPr>
             <p:ph idx="1" type="body"/>
@@ -2315,7 +2315,7 @@
   <p:cSld>
     <p:spTree>
       <p:nvGrpSpPr>
-        <p:cNvPr id="99" name="Shape 99"/>
+        <p:cNvPr id="100" name="Shape 100"/>
         <p:cNvGrpSpPr/>
         <p:nvPr/>
       </p:nvGrpSpPr>
@@ -2329,7 +2329,7 @@
       </p:grpSpPr>
       <p:sp>
         <p:nvSpPr>
-          <p:cNvPr id="100" name="Google Shape;100;g22214639bc6_0_959:notes"/>
+          <p:cNvPr id="101" name="Google Shape;101;g22214639bc6_0_959:notes"/>
           <p:cNvSpPr/>
           <p:nvPr>
             <p:ph idx="2" type="sldImg"/>
@@ -2364,7 +2364,7 @@
       </p:sp>
       <p:sp>
         <p:nvSpPr>
-          <p:cNvPr id="101" name="Google Shape;101;g22214639bc6_0_959:notes"/>
+          <p:cNvPr id="102" name="Google Shape;102;g22214639bc6_0_959:notes"/>
           <p:cNvSpPr txBox="1"/>
           <p:nvPr>
             <p:ph idx="1" type="body"/>
@@ -2414,7 +2414,7 @@
   <p:cSld>
     <p:spTree>
       <p:nvGrpSpPr>
-        <p:cNvPr id="106" name="Shape 106"/>
+        <p:cNvPr id="107" name="Shape 107"/>
         <p:cNvGrpSpPr/>
         <p:nvPr/>
       </p:nvGrpSpPr>
@@ -2428,7 +2428,7 @@
       </p:grpSpPr>
       <p:sp>
         <p:nvSpPr>
-          <p:cNvPr id="107" name="Google Shape;107;g22214639bc6_0_967:notes"/>
+          <p:cNvPr id="108" name="Google Shape;108;g22214639bc6_0_967:notes"/>
           <p:cNvSpPr/>
           <p:nvPr>
             <p:ph idx="2" type="sldImg"/>
@@ -2463,7 +2463,7 @@
       </p:sp>
       <p:sp>
         <p:nvSpPr>
-          <p:cNvPr id="108" name="Google Shape;108;g22214639bc6_0_967:notes"/>
+          <p:cNvPr id="109" name="Google Shape;109;g22214639bc6_0_967:notes"/>
           <p:cNvSpPr txBox="1"/>
           <p:nvPr>
             <p:ph idx="1" type="body"/>
@@ -2513,7 +2513,7 @@
   <p:cSld>
     <p:spTree>
       <p:nvGrpSpPr>
-        <p:cNvPr id="112" name="Shape 112"/>
+        <p:cNvPr id="113" name="Shape 113"/>
         <p:cNvGrpSpPr/>
         <p:nvPr/>
       </p:nvGrpSpPr>
@@ -2527,7 +2527,7 @@
       </p:grpSpPr>
       <p:sp>
         <p:nvSpPr>
-          <p:cNvPr id="113" name="Google Shape;113;g22214639bc6_0_972:notes"/>
+          <p:cNvPr id="114" name="Google Shape;114;g22214639bc6_0_972:notes"/>
           <p:cNvSpPr/>
           <p:nvPr>
             <p:ph idx="2" type="sldImg"/>
@@ -2562,7 +2562,7 @@
       </p:sp>
       <p:sp>
         <p:nvSpPr>
-          <p:cNvPr id="114" name="Google Shape;114;g22214639bc6_0_972:notes"/>
+          <p:cNvPr id="115" name="Google Shape;115;g22214639bc6_0_972:notes"/>
           <p:cNvSpPr txBox="1"/>
           <p:nvPr>
             <p:ph idx="1" type="body"/>
@@ -2612,7 +2612,7 @@
   <p:cSld>
     <p:spTree>
       <p:nvGrpSpPr>
-        <p:cNvPr id="118" name="Shape 118"/>
+        <p:cNvPr id="119" name="Shape 119"/>
         <p:cNvGrpSpPr/>
         <p:nvPr/>
       </p:nvGrpSpPr>
@@ -2626,7 +2626,7 @@
       </p:grpSpPr>
       <p:sp>
         <p:nvSpPr>
-          <p:cNvPr id="119" name="Google Shape;119;g22214639bc6_0_977:notes"/>
+          <p:cNvPr id="120" name="Google Shape;120;g22214639bc6_0_984:notes"/>
           <p:cNvSpPr/>
           <p:nvPr>
             <p:ph idx="2" type="sldImg"/>
@@ -2661,7 +2661,7 @@
       </p:sp>
       <p:sp>
         <p:nvSpPr>
-          <p:cNvPr id="120" name="Google Shape;120;g22214639bc6_0_977:notes"/>
+          <p:cNvPr id="121" name="Google Shape;121;g22214639bc6_0_984:notes"/>
           <p:cNvSpPr txBox="1"/>
           <p:nvPr>
             <p:ph idx="1" type="body"/>
@@ -2711,7 +2711,7 @@
   <p:cSld>
     <p:spTree>
       <p:nvGrpSpPr>
-        <p:cNvPr id="125" name="Shape 125"/>
+        <p:cNvPr id="126" name="Shape 126"/>
         <p:cNvGrpSpPr/>
         <p:nvPr/>
       </p:nvGrpSpPr>
@@ -2725,7 +2725,7 @@
       </p:grpSpPr>
       <p:sp>
         <p:nvSpPr>
-          <p:cNvPr id="126" name="Google Shape;126;g22214639bc6_0_984:notes"/>
+          <p:cNvPr id="127" name="Google Shape;127;g22214639bc6_0_991:notes"/>
           <p:cNvSpPr/>
           <p:nvPr>
             <p:ph idx="2" type="sldImg"/>
@@ -2760,7 +2760,7 @@
       </p:sp>
       <p:sp>
         <p:nvSpPr>
-          <p:cNvPr id="127" name="Google Shape;127;g22214639bc6_0_984:notes"/>
+          <p:cNvPr id="128" name="Google Shape;128;g22214639bc6_0_991:notes"/>
           <p:cNvSpPr txBox="1"/>
           <p:nvPr>
             <p:ph idx="1" type="body"/>
@@ -2810,7 +2810,7 @@
   <p:cSld>
     <p:spTree>
       <p:nvGrpSpPr>
-        <p:cNvPr id="132" name="Shape 132"/>
+        <p:cNvPr id="133" name="Shape 133"/>
         <p:cNvGrpSpPr/>
         <p:nvPr/>
       </p:nvGrpSpPr>
@@ -2824,7 +2824,7 @@
       </p:grpSpPr>
       <p:sp>
         <p:nvSpPr>
-          <p:cNvPr id="133" name="Google Shape;133;g22214639bc6_0_991:notes"/>
+          <p:cNvPr id="134" name="Google Shape;134;g22214639bc6_0_996:notes"/>
           <p:cNvSpPr/>
           <p:nvPr>
             <p:ph idx="2" type="sldImg"/>
@@ -2859,7 +2859,7 @@
       </p:sp>
       <p:sp>
         <p:nvSpPr>
-          <p:cNvPr id="134" name="Google Shape;134;g22214639bc6_0_991:notes"/>
+          <p:cNvPr id="135" name="Google Shape;135;g22214639bc6_0_996:notes"/>
           <p:cNvSpPr txBox="1"/>
           <p:nvPr>
             <p:ph idx="1" type="body"/>
@@ -9649,6 +9649,180 @@
           </a:p>
         </p:txBody>
       </p:sp>
+      <p:sp>
+        <p:nvSpPr>
+          <p:cNvPr id="87" name="Google Shape;87;p13"/>
+          <p:cNvSpPr txBox="1"/>
+          <p:nvPr/>
+        </p:nvSpPr>
+        <p:spPr>
+          <a:xfrm>
+            <a:off x="6030075" y="2117500"/>
+            <a:ext cx="2711100" cy="1046700"/>
+          </a:xfrm>
+          <a:prstGeom prst="rect">
+            <a:avLst/>
+          </a:prstGeom>
+          <a:noFill/>
+          <a:ln>
+            <a:noFill/>
+          </a:ln>
+        </p:spPr>
+        <p:txBody>
+          <a:bodyPr anchorCtr="0" anchor="t" bIns="91425" lIns="91425" spcFirstLastPara="1" rIns="91425" wrap="square" tIns="91425">
+            <a:spAutoFit/>
+          </a:bodyPr>
+          <a:lstStyle/>
+          <a:p>
+            <a:pPr indent="-317500" lvl="0" marL="457200" rtl="0" algn="l">
+              <a:spcBef>
+                <a:spcPts val="0"/>
+              </a:spcBef>
+              <a:spcAft>
+                <a:spcPts val="0"/>
+              </a:spcAft>
+              <a:buClr>
+                <a:schemeClr val="lt1"/>
+              </a:buClr>
+              <a:buSzPts val="1400"/>
+              <a:buFont typeface="Roboto"/>
+              <a:buChar char="●"/>
+            </a:pPr>
+            <a:r>
+              <a:rPr i="1" lang="en">
+                <a:solidFill>
+                  <a:schemeClr val="lt1"/>
+                </a:solidFill>
+                <a:latin typeface="Roboto"/>
+                <a:ea typeface="Roboto"/>
+                <a:cs typeface="Roboto"/>
+                <a:sym typeface="Roboto"/>
+              </a:rPr>
+              <a:t>Christopher Ospina</a:t>
+            </a:r>
+            <a:endParaRPr i="1">
+              <a:solidFill>
+                <a:schemeClr val="lt1"/>
+              </a:solidFill>
+              <a:latin typeface="Roboto"/>
+              <a:ea typeface="Roboto"/>
+              <a:cs typeface="Roboto"/>
+              <a:sym typeface="Roboto"/>
+            </a:endParaRPr>
+          </a:p>
+          <a:p>
+            <a:pPr indent="-317500" lvl="0" marL="457200" rtl="0" algn="l">
+              <a:spcBef>
+                <a:spcPts val="0"/>
+              </a:spcBef>
+              <a:spcAft>
+                <a:spcPts val="0"/>
+              </a:spcAft>
+              <a:buClr>
+                <a:schemeClr val="lt1"/>
+              </a:buClr>
+              <a:buSzPts val="1400"/>
+              <a:buFont typeface="Roboto"/>
+              <a:buChar char="●"/>
+            </a:pPr>
+            <a:r>
+              <a:rPr i="1" lang="en">
+                <a:solidFill>
+                  <a:schemeClr val="lt1"/>
+                </a:solidFill>
+                <a:latin typeface="Roboto"/>
+                <a:ea typeface="Roboto"/>
+                <a:cs typeface="Roboto"/>
+                <a:sym typeface="Roboto"/>
+              </a:rPr>
+              <a:t>Eva Montoya Davis   </a:t>
+            </a:r>
+            <a:endParaRPr i="1">
+              <a:solidFill>
+                <a:schemeClr val="lt1"/>
+              </a:solidFill>
+              <a:latin typeface="Roboto"/>
+              <a:ea typeface="Roboto"/>
+              <a:cs typeface="Roboto"/>
+              <a:sym typeface="Roboto"/>
+            </a:endParaRPr>
+          </a:p>
+          <a:p>
+            <a:pPr indent="-317500" lvl="0" marL="457200" rtl="0" algn="l">
+              <a:spcBef>
+                <a:spcPts val="0"/>
+              </a:spcBef>
+              <a:spcAft>
+                <a:spcPts val="0"/>
+              </a:spcAft>
+              <a:buClr>
+                <a:schemeClr val="lt1"/>
+              </a:buClr>
+              <a:buSzPts val="1400"/>
+              <a:buFont typeface="Roboto"/>
+              <a:buChar char="●"/>
+            </a:pPr>
+            <a:r>
+              <a:rPr i="1" lang="en">
+                <a:solidFill>
+                  <a:schemeClr val="lt1"/>
+                </a:solidFill>
+                <a:latin typeface="Roboto"/>
+                <a:ea typeface="Roboto"/>
+                <a:cs typeface="Roboto"/>
+                <a:sym typeface="Roboto"/>
+              </a:rPr>
+              <a:t>Genius Machado</a:t>
+            </a:r>
+            <a:endParaRPr i="1">
+              <a:solidFill>
+                <a:schemeClr val="lt1"/>
+              </a:solidFill>
+              <a:latin typeface="Roboto"/>
+              <a:ea typeface="Roboto"/>
+              <a:cs typeface="Roboto"/>
+              <a:sym typeface="Roboto"/>
+            </a:endParaRPr>
+          </a:p>
+          <a:p>
+            <a:pPr indent="-317500" lvl="0" marL="457200" rtl="0" algn="l">
+              <a:spcBef>
+                <a:spcPts val="0"/>
+              </a:spcBef>
+              <a:spcAft>
+                <a:spcPts val="0"/>
+              </a:spcAft>
+              <a:buClr>
+                <a:schemeClr val="lt1"/>
+              </a:buClr>
+              <a:buSzPts val="1400"/>
+              <a:buFont typeface="Roboto"/>
+              <a:buChar char="●"/>
+            </a:pPr>
+            <a:r>
+              <a:rPr i="1" lang="en">
+                <a:solidFill>
+                  <a:schemeClr val="lt1"/>
+                </a:solidFill>
+                <a:latin typeface="Roboto"/>
+                <a:ea typeface="Roboto"/>
+                <a:cs typeface="Roboto"/>
+                <a:sym typeface="Roboto"/>
+              </a:rPr>
+              <a:t>Sharanya Dave</a:t>
+            </a:r>
+            <a:endParaRPr i="1">
+              <a:solidFill>
+                <a:schemeClr val="lt1"/>
+              </a:solidFill>
+              <a:latin typeface="Roboto"/>
+              <a:ea typeface="Roboto"/>
+              <a:cs typeface="Roboto"/>
+              <a:sym typeface="Roboto"/>
+            </a:endParaRPr>
+          </a:p>
+        </p:txBody>
+      </p:sp>
     </p:spTree>
   </p:cSld>
   <p:clrMapOvr>
@@ -9662,7 +9836,7 @@
   <p:cSld>
     <p:spTree>
       <p:nvGrpSpPr>
-        <p:cNvPr id="142" name="Shape 142"/>
+        <p:cNvPr id="143" name="Shape 143"/>
         <p:cNvGrpSpPr/>
         <p:nvPr/>
       </p:nvGrpSpPr>
@@ -9676,7 +9850,7 @@
       </p:grpSpPr>
       <p:sp>
         <p:nvSpPr>
-          <p:cNvPr id="143" name="Google Shape;143;p22"/>
+          <p:cNvPr id="144" name="Google Shape;144;p22"/>
           <p:cNvSpPr txBox="1"/>
           <p:nvPr>
             <p:ph type="title"/>
@@ -9684,7 +9858,7 @@
         </p:nvSpPr>
         <p:spPr>
           <a:xfrm>
-            <a:off x="311700" y="105200"/>
+            <a:off x="311700" y="410000"/>
             <a:ext cx="8520600" cy="607800"/>
           </a:xfrm>
           <a:prstGeom prst="rect">
@@ -9708,7 +9882,7 @@
             </a:pPr>
             <a:r>
               <a:rPr lang="en"/>
-              <a:t>Success Rate Of Each Team</a:t>
+              <a:t>Top 10 Cities to hold Match</a:t>
             </a:r>
             <a:endParaRPr/>
           </a:p>
@@ -9716,7 +9890,7 @@
       </p:sp>
       <p:pic>
         <p:nvPicPr>
-          <p:cNvPr id="144" name="Google Shape;144;p22"/>
+          <p:cNvPr id="145" name="Google Shape;145;p22"/>
           <p:cNvPicPr preferRelativeResize="0"/>
           <p:nvPr/>
         </p:nvPicPr>
@@ -9730,8 +9904,36 @@
         </p:blipFill>
         <p:spPr>
           <a:xfrm>
-            <a:off x="4402275" y="725625"/>
-            <a:ext cx="4001800" cy="3767175"/>
+            <a:off x="4797200" y="288700"/>
+            <a:ext cx="4144700" cy="3339001"/>
+          </a:xfrm>
+          <a:prstGeom prst="rect">
+            <a:avLst/>
+          </a:prstGeom>
+          <a:noFill/>
+          <a:ln>
+            <a:noFill/>
+          </a:ln>
+        </p:spPr>
+      </p:pic>
+      <p:pic>
+        <p:nvPicPr>
+          <p:cNvPr id="146" name="Google Shape;146;p22"/>
+          <p:cNvPicPr preferRelativeResize="0"/>
+          <p:nvPr/>
+        </p:nvPicPr>
+        <p:blipFill>
+          <a:blip r:embed="rId4">
+            <a:alphaModFix/>
+          </a:blip>
+          <a:stretch>
+            <a:fillRect/>
+          </a:stretch>
+        </p:blipFill>
+        <p:spPr>
+          <a:xfrm>
+            <a:off x="109175" y="1396900"/>
+            <a:ext cx="3578925" cy="3230550"/>
           </a:xfrm>
           <a:prstGeom prst="rect">
             <a:avLst/>
@@ -9744,14 +9946,14 @@
       </p:pic>
       <p:sp>
         <p:nvSpPr>
-          <p:cNvPr id="145" name="Google Shape;145;p22"/>
+          <p:cNvPr id="147" name="Google Shape;147;p22"/>
           <p:cNvSpPr txBox="1"/>
           <p:nvPr/>
         </p:nvSpPr>
         <p:spPr>
           <a:xfrm>
-            <a:off x="736000" y="1082850"/>
-            <a:ext cx="3384000" cy="3936000"/>
+            <a:off x="3874350" y="3586850"/>
+            <a:ext cx="4060800" cy="1208400"/>
           </a:xfrm>
           <a:prstGeom prst="rect">
             <a:avLst/>
@@ -9768,364 +9970,6 @@
           <a:lstStyle/>
           <a:p>
             <a:pPr indent="0" lvl="0" marL="0" rtl="0" algn="l">
-              <a:lnSpc>
-                <a:spcPct val="175000"/>
-              </a:lnSpc>
-              <a:spcBef>
-                <a:spcPts val="1500"/>
-              </a:spcBef>
-              <a:spcAft>
-                <a:spcPts val="0"/>
-              </a:spcAft>
-              <a:buNone/>
-            </a:pPr>
-            <a:r>
-              <a:rPr lang="en" sz="1450"/>
-              <a:t>In this graph, we can see that the cleveland guardians supergiant have the highest winning success rate of 62.5, followed by san francisco giants. without doing a full statistical analysis, it seems clear that the teams that play more games tend to have a higher win percentage.</a:t>
-            </a:r>
-            <a:endParaRPr sz="1450"/>
-          </a:p>
-          <a:p>
-            <a:pPr indent="0" lvl="0" marL="0" rtl="0" algn="l">
-              <a:lnSpc>
-                <a:spcPct val="175000"/>
-              </a:lnSpc>
-              <a:spcBef>
-                <a:spcPts val="0"/>
-              </a:spcBef>
-              <a:spcAft>
-                <a:spcPts val="0"/>
-              </a:spcAft>
-              <a:buNone/>
-            </a:pPr>
-            <a:r>
-              <a:t/>
-            </a:r>
-            <a:endParaRPr sz="1050">
-              <a:latin typeface="Roboto"/>
-              <a:ea typeface="Roboto"/>
-              <a:cs typeface="Roboto"/>
-              <a:sym typeface="Roboto"/>
-            </a:endParaRPr>
-          </a:p>
-          <a:p>
-            <a:pPr indent="0" lvl="0" marL="0" rtl="0" algn="l">
-              <a:lnSpc>
-                <a:spcPct val="125000"/>
-              </a:lnSpc>
-              <a:spcBef>
-                <a:spcPts val="1000"/>
-              </a:spcBef>
-              <a:spcAft>
-                <a:spcPts val="0"/>
-              </a:spcAft>
-              <a:buNone/>
-            </a:pPr>
-            <a:r>
-              <a:t/>
-            </a:r>
-            <a:endParaRPr>
-              <a:solidFill>
-                <a:srgbClr val="424242"/>
-              </a:solidFill>
-            </a:endParaRPr>
-          </a:p>
-        </p:txBody>
-      </p:sp>
-    </p:spTree>
-  </p:cSld>
-  <p:clrMapOvr>
-    <a:masterClrMapping/>
-  </p:clrMapOvr>
-</p:sld>
-</file>
-
-<file path=ppt/slides/slide11.xml><?xml version="1.0" encoding="utf-8"?>
-<p:sld xmlns:a="http://schemas.openxmlformats.org/drawingml/2006/main" xmlns:r="http://schemas.openxmlformats.org/officeDocument/2006/relationships" xmlns:mc="http://schemas.openxmlformats.org/markup-compatibility/2006" xmlns:mv="urn:schemas-microsoft-com:mac:vml" xmlns:p="http://schemas.openxmlformats.org/presentationml/2006/main" xmlns:c="http://schemas.openxmlformats.org/drawingml/2006/chart" xmlns:dgm="http://schemas.openxmlformats.org/drawingml/2006/diagram" xmlns:o="urn:schemas-microsoft-com:office:office" xmlns:v="urn:schemas-microsoft-com:vml" xmlns:pvml="urn:schemas-microsoft-com:office:powerpoint" xmlns:com="http://schemas.openxmlformats.org/drawingml/2006/compatibility" xmlns:p14="http://schemas.microsoft.com/office/powerpoint/2010/main" xmlns:p15="http://schemas.microsoft.com/office/powerpoint/2012/main" xmlns:ahyp="http://schemas.microsoft.com/office/drawing/2018/hyperlinkcolor">
-  <p:cSld>
-    <p:spTree>
-      <p:nvGrpSpPr>
-        <p:cNvPr id="149" name="Shape 149"/>
-        <p:cNvGrpSpPr/>
-        <p:nvPr/>
-      </p:nvGrpSpPr>
-      <p:grpSpPr>
-        <a:xfrm>
-          <a:off x="0" y="0"/>
-          <a:ext cx="0" cy="0"/>
-          <a:chOff x="0" y="0"/>
-          <a:chExt cx="0" cy="0"/>
-        </a:xfrm>
-      </p:grpSpPr>
-      <p:sp>
-        <p:nvSpPr>
-          <p:cNvPr id="150" name="Google Shape;150;p23"/>
-          <p:cNvSpPr txBox="1"/>
-          <p:nvPr>
-            <p:ph type="title"/>
-          </p:nvPr>
-        </p:nvSpPr>
-        <p:spPr>
-          <a:xfrm>
-            <a:off x="311700" y="410000"/>
-            <a:ext cx="8520600" cy="607800"/>
-          </a:xfrm>
-          <a:prstGeom prst="rect">
-            <a:avLst/>
-          </a:prstGeom>
-        </p:spPr>
-        <p:txBody>
-          <a:bodyPr anchorCtr="0" anchor="t" bIns="91425" lIns="91425" spcFirstLastPara="1" rIns="91425" wrap="square" tIns="91425">
-            <a:normAutofit fontScale="90000"/>
-          </a:bodyPr>
-          <a:lstStyle/>
-          <a:p>
-            <a:pPr indent="0" lvl="0" marL="0" rtl="0" algn="l">
-              <a:spcBef>
-                <a:spcPts val="0"/>
-              </a:spcBef>
-              <a:spcAft>
-                <a:spcPts val="0"/>
-              </a:spcAft>
-              <a:buNone/>
-            </a:pPr>
-            <a:r>
-              <a:rPr lang="en"/>
-              <a:t>Toss Decision across Matches</a:t>
-            </a:r>
-            <a:endParaRPr/>
-          </a:p>
-        </p:txBody>
-      </p:sp>
-      <p:pic>
-        <p:nvPicPr>
-          <p:cNvPr id="151" name="Google Shape;151;p23"/>
-          <p:cNvPicPr preferRelativeResize="0"/>
-          <p:nvPr/>
-        </p:nvPicPr>
-        <p:blipFill>
-          <a:blip r:embed="rId3">
-            <a:alphaModFix/>
-          </a:blip>
-          <a:stretch>
-            <a:fillRect/>
-          </a:stretch>
-        </p:blipFill>
-        <p:spPr>
-          <a:xfrm>
-            <a:off x="384425" y="1333447"/>
-            <a:ext cx="3162000" cy="2887950"/>
-          </a:xfrm>
-          <a:prstGeom prst="rect">
-            <a:avLst/>
-          </a:prstGeom>
-          <a:noFill/>
-          <a:ln>
-            <a:noFill/>
-          </a:ln>
-        </p:spPr>
-      </p:pic>
-      <p:sp>
-        <p:nvSpPr>
-          <p:cNvPr id="152" name="Google Shape;152;p23"/>
-          <p:cNvSpPr txBox="1"/>
-          <p:nvPr/>
-        </p:nvSpPr>
-        <p:spPr>
-          <a:xfrm>
-            <a:off x="4389950" y="1285675"/>
-            <a:ext cx="3443700" cy="2031900"/>
-          </a:xfrm>
-          <a:prstGeom prst="rect">
-            <a:avLst/>
-          </a:prstGeom>
-          <a:noFill/>
-          <a:ln>
-            <a:noFill/>
-          </a:ln>
-        </p:spPr>
-        <p:txBody>
-          <a:bodyPr anchorCtr="0" anchor="t" bIns="91425" lIns="91425" spcFirstLastPara="1" rIns="91425" wrap="square" tIns="91425">
-            <a:spAutoFit/>
-          </a:bodyPr>
-          <a:lstStyle/>
-          <a:p>
-            <a:pPr indent="0" lvl="0" marL="0" rtl="0" algn="l">
-              <a:lnSpc>
-                <a:spcPct val="125000"/>
-              </a:lnSpc>
-              <a:spcBef>
-                <a:spcPts val="0"/>
-              </a:spcBef>
-              <a:spcAft>
-                <a:spcPts val="0"/>
-              </a:spcAft>
-              <a:buClr>
-                <a:srgbClr val="000000"/>
-              </a:buClr>
-              <a:buSzPts val="2000"/>
-              <a:buFont typeface="Avenir"/>
-              <a:buNone/>
-            </a:pPr>
-            <a:r>
-              <a:rPr lang="en" sz="2000">
-                <a:solidFill>
-                  <a:srgbClr val="424242"/>
-                </a:solidFill>
-              </a:rPr>
-              <a:t>From the  Image we see that 57.6% of the toss winning teams chose Fielding first while the other 34.6%  chose Batting first.</a:t>
-            </a:r>
-            <a:endParaRPr/>
-          </a:p>
-        </p:txBody>
-      </p:sp>
-    </p:spTree>
-  </p:cSld>
-  <p:clrMapOvr>
-    <a:masterClrMapping/>
-  </p:clrMapOvr>
-</p:sld>
-</file>
-
-<file path=ppt/slides/slide12.xml><?xml version="1.0" encoding="utf-8"?>
-<p:sld xmlns:a="http://schemas.openxmlformats.org/drawingml/2006/main" xmlns:r="http://schemas.openxmlformats.org/officeDocument/2006/relationships" xmlns:mc="http://schemas.openxmlformats.org/markup-compatibility/2006" xmlns:mv="urn:schemas-microsoft-com:mac:vml" xmlns:p="http://schemas.openxmlformats.org/presentationml/2006/main" xmlns:c="http://schemas.openxmlformats.org/drawingml/2006/chart" xmlns:dgm="http://schemas.openxmlformats.org/drawingml/2006/diagram" xmlns:o="urn:schemas-microsoft-com:office:office" xmlns:v="urn:schemas-microsoft-com:vml" xmlns:pvml="urn:schemas-microsoft-com:office:powerpoint" xmlns:com="http://schemas.openxmlformats.org/drawingml/2006/compatibility" xmlns:p14="http://schemas.microsoft.com/office/powerpoint/2010/main" xmlns:p15="http://schemas.microsoft.com/office/powerpoint/2012/main" xmlns:ahyp="http://schemas.microsoft.com/office/drawing/2018/hyperlinkcolor">
-  <p:cSld>
-    <p:spTree>
-      <p:nvGrpSpPr>
-        <p:cNvPr id="156" name="Shape 156"/>
-        <p:cNvGrpSpPr/>
-        <p:nvPr/>
-      </p:nvGrpSpPr>
-      <p:grpSpPr>
-        <a:xfrm>
-          <a:off x="0" y="0"/>
-          <a:ext cx="0" cy="0"/>
-          <a:chOff x="0" y="0"/>
-          <a:chExt cx="0" cy="0"/>
-        </a:xfrm>
-      </p:grpSpPr>
-      <p:sp>
-        <p:nvSpPr>
-          <p:cNvPr id="157" name="Google Shape;157;p24"/>
-          <p:cNvSpPr txBox="1"/>
-          <p:nvPr>
-            <p:ph type="title"/>
-          </p:nvPr>
-        </p:nvSpPr>
-        <p:spPr>
-          <a:xfrm>
-            <a:off x="311700" y="410000"/>
-            <a:ext cx="8520600" cy="607800"/>
-          </a:xfrm>
-          <a:prstGeom prst="rect">
-            <a:avLst/>
-          </a:prstGeom>
-        </p:spPr>
-        <p:txBody>
-          <a:bodyPr anchorCtr="0" anchor="t" bIns="91425" lIns="91425" spcFirstLastPara="1" rIns="91425" wrap="square" tIns="91425">
-            <a:normAutofit fontScale="90000"/>
-          </a:bodyPr>
-          <a:lstStyle/>
-          <a:p>
-            <a:pPr indent="0" lvl="0" marL="0" rtl="0" algn="l">
-              <a:spcBef>
-                <a:spcPts val="0"/>
-              </a:spcBef>
-              <a:spcAft>
-                <a:spcPts val="0"/>
-              </a:spcAft>
-              <a:buNone/>
-            </a:pPr>
-            <a:r>
-              <a:rPr lang="en"/>
-              <a:t>Top 10 Cities to hold Match</a:t>
-            </a:r>
-            <a:endParaRPr/>
-          </a:p>
-        </p:txBody>
-      </p:sp>
-      <p:pic>
-        <p:nvPicPr>
-          <p:cNvPr id="158" name="Google Shape;158;p24"/>
-          <p:cNvPicPr preferRelativeResize="0"/>
-          <p:nvPr/>
-        </p:nvPicPr>
-        <p:blipFill>
-          <a:blip r:embed="rId3">
-            <a:alphaModFix/>
-          </a:blip>
-          <a:stretch>
-            <a:fillRect/>
-          </a:stretch>
-        </p:blipFill>
-        <p:spPr>
-          <a:xfrm>
-            <a:off x="4797200" y="288700"/>
-            <a:ext cx="4144700" cy="3339001"/>
-          </a:xfrm>
-          <a:prstGeom prst="rect">
-            <a:avLst/>
-          </a:prstGeom>
-          <a:noFill/>
-          <a:ln>
-            <a:noFill/>
-          </a:ln>
-        </p:spPr>
-      </p:pic>
-      <p:pic>
-        <p:nvPicPr>
-          <p:cNvPr id="159" name="Google Shape;159;p24"/>
-          <p:cNvPicPr preferRelativeResize="0"/>
-          <p:nvPr/>
-        </p:nvPicPr>
-        <p:blipFill>
-          <a:blip r:embed="rId4">
-            <a:alphaModFix/>
-          </a:blip>
-          <a:stretch>
-            <a:fillRect/>
-          </a:stretch>
-        </p:blipFill>
-        <p:spPr>
-          <a:xfrm>
-            <a:off x="109175" y="1396900"/>
-            <a:ext cx="3578925" cy="3230550"/>
-          </a:xfrm>
-          <a:prstGeom prst="rect">
-            <a:avLst/>
-          </a:prstGeom>
-          <a:noFill/>
-          <a:ln>
-            <a:noFill/>
-          </a:ln>
-        </p:spPr>
-      </p:pic>
-      <p:sp>
-        <p:nvSpPr>
-          <p:cNvPr id="160" name="Google Shape;160;p24"/>
-          <p:cNvSpPr txBox="1"/>
-          <p:nvPr/>
-        </p:nvSpPr>
-        <p:spPr>
-          <a:xfrm>
-            <a:off x="3874350" y="3586850"/>
-            <a:ext cx="4060800" cy="1208400"/>
-          </a:xfrm>
-          <a:prstGeom prst="rect">
-            <a:avLst/>
-          </a:prstGeom>
-          <a:noFill/>
-          <a:ln>
-            <a:noFill/>
-          </a:ln>
-        </p:spPr>
-        <p:txBody>
-          <a:bodyPr anchorCtr="0" anchor="t" bIns="91425" lIns="91425" spcFirstLastPara="1" rIns="91425" wrap="square" tIns="91425">
-            <a:spAutoFit/>
-          </a:bodyPr>
-          <a:lstStyle/>
-          <a:p>
-            <a:pPr indent="0" lvl="0" marL="0" rtl="0" algn="l">
               <a:spcBef>
                 <a:spcPts val="0"/>
               </a:spcBef>
@@ -10140,7 +9984,7 @@
                   <a:srgbClr val="424242"/>
                 </a:solidFill>
               </a:rPr>
-              <a:t>Cumberland had held highest number of matches (101) followed by Chicago (80.0)</a:t>
+              <a:t>Cumberland had held highest number of matches (102) followed by Chicago (77)</a:t>
             </a:r>
             <a:endParaRPr sz="1750">
               <a:solidFill>
@@ -10178,12 +10022,12 @@
 </p:sld>
 </file>
 
-<file path=ppt/slides/slide13.xml><?xml version="1.0" encoding="utf-8"?>
+<file path=ppt/slides/slide11.xml><?xml version="1.0" encoding="utf-8"?>
 <p:sld xmlns:a="http://schemas.openxmlformats.org/drawingml/2006/main" xmlns:r="http://schemas.openxmlformats.org/officeDocument/2006/relationships" xmlns:mc="http://schemas.openxmlformats.org/markup-compatibility/2006" xmlns:mv="urn:schemas-microsoft-com:mac:vml" xmlns:p="http://schemas.openxmlformats.org/presentationml/2006/main" xmlns:c="http://schemas.openxmlformats.org/drawingml/2006/chart" xmlns:dgm="http://schemas.openxmlformats.org/drawingml/2006/diagram" xmlns:o="urn:schemas-microsoft-com:office:office" xmlns:v="urn:schemas-microsoft-com:vml" xmlns:pvml="urn:schemas-microsoft-com:office:powerpoint" xmlns:com="http://schemas.openxmlformats.org/drawingml/2006/compatibility" xmlns:p14="http://schemas.microsoft.com/office/powerpoint/2010/main" xmlns:p15="http://schemas.microsoft.com/office/powerpoint/2012/main" xmlns:ahyp="http://schemas.microsoft.com/office/drawing/2018/hyperlinkcolor">
   <p:cSld>
     <p:spTree>
       <p:nvGrpSpPr>
-        <p:cNvPr id="164" name="Shape 164"/>
+        <p:cNvPr id="151" name="Shape 151"/>
         <p:cNvGrpSpPr/>
         <p:nvPr/>
       </p:nvGrpSpPr>
@@ -10197,7 +10041,7 @@
       </p:grpSpPr>
       <p:sp>
         <p:nvSpPr>
-          <p:cNvPr id="165" name="Google Shape;165;p25"/>
+          <p:cNvPr id="152" name="Google Shape;152;p23"/>
           <p:cNvSpPr txBox="1"/>
           <p:nvPr>
             <p:ph type="title"/>
@@ -10237,7 +10081,7 @@
       </p:sp>
       <p:pic>
         <p:nvPicPr>
-          <p:cNvPr id="166" name="Google Shape;166;p25"/>
+          <p:cNvPr id="153" name="Google Shape;153;p23"/>
           <p:cNvPicPr preferRelativeResize="0"/>
           <p:nvPr/>
         </p:nvPicPr>
@@ -10265,7 +10109,7 @@
       </p:pic>
       <p:sp>
         <p:nvSpPr>
-          <p:cNvPr id="167" name="Google Shape;167;p25"/>
+          <p:cNvPr id="154" name="Google Shape;154;p23"/>
           <p:cNvSpPr txBox="1"/>
           <p:nvPr/>
         </p:nvSpPr>
@@ -10309,6 +10153,319 @@
               <a:t>In the image it can be seen that Teams have won more matches in their home grounds</a:t>
             </a:r>
             <a:endParaRPr sz="2000">
+              <a:solidFill>
+                <a:srgbClr val="424242"/>
+              </a:solidFill>
+            </a:endParaRPr>
+          </a:p>
+          <a:p>
+            <a:pPr indent="0" lvl="0" marL="0" rtl="0" algn="l">
+              <a:spcBef>
+                <a:spcPts val="0"/>
+              </a:spcBef>
+              <a:spcAft>
+                <a:spcPts val="0"/>
+              </a:spcAft>
+              <a:buNone/>
+            </a:pPr>
+            <a:r>
+              <a:t/>
+            </a:r>
+            <a:endParaRPr>
+              <a:latin typeface="Roboto"/>
+              <a:ea typeface="Roboto"/>
+              <a:cs typeface="Roboto"/>
+              <a:sym typeface="Roboto"/>
+            </a:endParaRPr>
+          </a:p>
+        </p:txBody>
+      </p:sp>
+    </p:spTree>
+  </p:cSld>
+  <p:clrMapOvr>
+    <a:masterClrMapping/>
+  </p:clrMapOvr>
+</p:sld>
+</file>
+
+<file path=ppt/slides/slide12.xml><?xml version="1.0" encoding="utf-8"?>
+<p:sld xmlns:a="http://schemas.openxmlformats.org/drawingml/2006/main" xmlns:r="http://schemas.openxmlformats.org/officeDocument/2006/relationships" xmlns:mc="http://schemas.openxmlformats.org/markup-compatibility/2006" xmlns:mv="urn:schemas-microsoft-com:mac:vml" xmlns:p="http://schemas.openxmlformats.org/presentationml/2006/main" xmlns:c="http://schemas.openxmlformats.org/drawingml/2006/chart" xmlns:dgm="http://schemas.openxmlformats.org/drawingml/2006/diagram" xmlns:o="urn:schemas-microsoft-com:office:office" xmlns:v="urn:schemas-microsoft-com:vml" xmlns:pvml="urn:schemas-microsoft-com:office:powerpoint" xmlns:com="http://schemas.openxmlformats.org/drawingml/2006/compatibility" xmlns:p14="http://schemas.microsoft.com/office/powerpoint/2010/main" xmlns:p15="http://schemas.microsoft.com/office/powerpoint/2012/main" xmlns:ahyp="http://schemas.microsoft.com/office/drawing/2018/hyperlinkcolor">
+  <p:cSld>
+    <p:spTree>
+      <p:nvGrpSpPr>
+        <p:cNvPr id="158" name="Shape 158"/>
+        <p:cNvGrpSpPr/>
+        <p:nvPr/>
+      </p:nvGrpSpPr>
+      <p:grpSpPr>
+        <a:xfrm>
+          <a:off x="0" y="0"/>
+          <a:ext cx="0" cy="0"/>
+          <a:chOff x="0" y="0"/>
+          <a:chExt cx="0" cy="0"/>
+        </a:xfrm>
+      </p:grpSpPr>
+      <p:sp>
+        <p:nvSpPr>
+          <p:cNvPr id="159" name="Google Shape;159;p24"/>
+          <p:cNvSpPr txBox="1"/>
+          <p:nvPr>
+            <p:ph type="title"/>
+          </p:nvPr>
+        </p:nvSpPr>
+        <p:spPr>
+          <a:xfrm>
+            <a:off x="311700" y="410000"/>
+            <a:ext cx="8520600" cy="607800"/>
+          </a:xfrm>
+          <a:prstGeom prst="rect">
+            <a:avLst/>
+          </a:prstGeom>
+        </p:spPr>
+        <p:txBody>
+          <a:bodyPr anchorCtr="0" anchor="t" bIns="91425" lIns="91425" spcFirstLastPara="1" rIns="91425" wrap="square" tIns="91425">
+            <a:normAutofit fontScale="90000"/>
+          </a:bodyPr>
+          <a:lstStyle/>
+          <a:p>
+            <a:pPr indent="0" lvl="0" marL="0" rtl="0" algn="l">
+              <a:spcBef>
+                <a:spcPts val="0"/>
+              </a:spcBef>
+              <a:spcAft>
+                <a:spcPts val="0"/>
+              </a:spcAft>
+              <a:buNone/>
+            </a:pPr>
+            <a:r>
+              <a:rPr lang="en"/>
+              <a:t>Toss Decision across Matches</a:t>
+            </a:r>
+            <a:endParaRPr/>
+          </a:p>
+        </p:txBody>
+      </p:sp>
+      <p:pic>
+        <p:nvPicPr>
+          <p:cNvPr id="160" name="Google Shape;160;p24"/>
+          <p:cNvPicPr preferRelativeResize="0"/>
+          <p:nvPr/>
+        </p:nvPicPr>
+        <p:blipFill>
+          <a:blip r:embed="rId3">
+            <a:alphaModFix/>
+          </a:blip>
+          <a:stretch>
+            <a:fillRect/>
+          </a:stretch>
+        </p:blipFill>
+        <p:spPr>
+          <a:xfrm>
+            <a:off x="384425" y="1333447"/>
+            <a:ext cx="3162000" cy="2887950"/>
+          </a:xfrm>
+          <a:prstGeom prst="rect">
+            <a:avLst/>
+          </a:prstGeom>
+          <a:noFill/>
+          <a:ln>
+            <a:noFill/>
+          </a:ln>
+        </p:spPr>
+      </p:pic>
+      <p:sp>
+        <p:nvSpPr>
+          <p:cNvPr id="161" name="Google Shape;161;p24"/>
+          <p:cNvSpPr txBox="1"/>
+          <p:nvPr/>
+        </p:nvSpPr>
+        <p:spPr>
+          <a:xfrm>
+            <a:off x="4389950" y="1285675"/>
+            <a:ext cx="3443700" cy="2031900"/>
+          </a:xfrm>
+          <a:prstGeom prst="rect">
+            <a:avLst/>
+          </a:prstGeom>
+          <a:noFill/>
+          <a:ln>
+            <a:noFill/>
+          </a:ln>
+        </p:spPr>
+        <p:txBody>
+          <a:bodyPr anchorCtr="0" anchor="t" bIns="91425" lIns="91425" spcFirstLastPara="1" rIns="91425" wrap="square" tIns="91425">
+            <a:spAutoFit/>
+          </a:bodyPr>
+          <a:lstStyle/>
+          <a:p>
+            <a:pPr indent="0" lvl="0" marL="0" rtl="0" algn="l">
+              <a:lnSpc>
+                <a:spcPct val="125000"/>
+              </a:lnSpc>
+              <a:spcBef>
+                <a:spcPts val="0"/>
+              </a:spcBef>
+              <a:spcAft>
+                <a:spcPts val="0"/>
+              </a:spcAft>
+              <a:buClr>
+                <a:srgbClr val="000000"/>
+              </a:buClr>
+              <a:buSzPts val="2000"/>
+              <a:buFont typeface="Avenir"/>
+              <a:buNone/>
+            </a:pPr>
+            <a:r>
+              <a:rPr lang="en" sz="2000">
+                <a:solidFill>
+                  <a:srgbClr val="424242"/>
+                </a:solidFill>
+              </a:rPr>
+              <a:t>From the  Image we see that 57.6% of the toss winning teams chose Fielding first while the other 34.6%  chose Batting first.</a:t>
+            </a:r>
+            <a:endParaRPr/>
+          </a:p>
+        </p:txBody>
+      </p:sp>
+    </p:spTree>
+  </p:cSld>
+  <p:clrMapOvr>
+    <a:masterClrMapping/>
+  </p:clrMapOvr>
+</p:sld>
+</file>
+
+<file path=ppt/slides/slide13.xml><?xml version="1.0" encoding="utf-8"?>
+<p:sld xmlns:a="http://schemas.openxmlformats.org/drawingml/2006/main" xmlns:r="http://schemas.openxmlformats.org/officeDocument/2006/relationships" xmlns:mc="http://schemas.openxmlformats.org/markup-compatibility/2006" xmlns:mv="urn:schemas-microsoft-com:mac:vml" xmlns:p="http://schemas.openxmlformats.org/presentationml/2006/main" xmlns:c="http://schemas.openxmlformats.org/drawingml/2006/chart" xmlns:dgm="http://schemas.openxmlformats.org/drawingml/2006/diagram" xmlns:o="urn:schemas-microsoft-com:office:office" xmlns:v="urn:schemas-microsoft-com:vml" xmlns:pvml="urn:schemas-microsoft-com:office:powerpoint" xmlns:com="http://schemas.openxmlformats.org/drawingml/2006/compatibility" xmlns:p14="http://schemas.microsoft.com/office/powerpoint/2010/main" xmlns:p15="http://schemas.microsoft.com/office/powerpoint/2012/main" xmlns:ahyp="http://schemas.microsoft.com/office/drawing/2018/hyperlinkcolor">
+  <p:cSld>
+    <p:spTree>
+      <p:nvGrpSpPr>
+        <p:cNvPr id="165" name="Shape 165"/>
+        <p:cNvGrpSpPr/>
+        <p:nvPr/>
+      </p:nvGrpSpPr>
+      <p:grpSpPr>
+        <a:xfrm>
+          <a:off x="0" y="0"/>
+          <a:ext cx="0" cy="0"/>
+          <a:chOff x="0" y="0"/>
+          <a:chExt cx="0" cy="0"/>
+        </a:xfrm>
+      </p:grpSpPr>
+      <p:sp>
+        <p:nvSpPr>
+          <p:cNvPr id="166" name="Google Shape;166;p25"/>
+          <p:cNvSpPr txBox="1"/>
+          <p:nvPr>
+            <p:ph type="title"/>
+          </p:nvPr>
+        </p:nvSpPr>
+        <p:spPr>
+          <a:xfrm>
+            <a:off x="311700" y="105200"/>
+            <a:ext cx="8520600" cy="607800"/>
+          </a:xfrm>
+          <a:prstGeom prst="rect">
+            <a:avLst/>
+          </a:prstGeom>
+        </p:spPr>
+        <p:txBody>
+          <a:bodyPr anchorCtr="0" anchor="t" bIns="91425" lIns="91425" spcFirstLastPara="1" rIns="91425" wrap="square" tIns="91425">
+            <a:normAutofit fontScale="90000"/>
+          </a:bodyPr>
+          <a:lstStyle/>
+          <a:p>
+            <a:pPr indent="0" lvl="0" marL="0" rtl="0" algn="l">
+              <a:spcBef>
+                <a:spcPts val="0"/>
+              </a:spcBef>
+              <a:spcAft>
+                <a:spcPts val="0"/>
+              </a:spcAft>
+              <a:buNone/>
+            </a:pPr>
+            <a:r>
+              <a:rPr lang="en"/>
+              <a:t>Most Venues to Hold Match</a:t>
+            </a:r>
+            <a:endParaRPr/>
+          </a:p>
+        </p:txBody>
+      </p:sp>
+      <p:pic>
+        <p:nvPicPr>
+          <p:cNvPr id="167" name="Google Shape;167;p25"/>
+          <p:cNvPicPr preferRelativeResize="0"/>
+          <p:nvPr/>
+        </p:nvPicPr>
+        <p:blipFill>
+          <a:blip r:embed="rId3">
+            <a:alphaModFix/>
+          </a:blip>
+          <a:stretch>
+            <a:fillRect/>
+          </a:stretch>
+        </p:blipFill>
+        <p:spPr>
+          <a:xfrm>
+            <a:off x="3659775" y="744275"/>
+            <a:ext cx="4766100" cy="4166000"/>
+          </a:xfrm>
+          <a:prstGeom prst="rect">
+            <a:avLst/>
+          </a:prstGeom>
+          <a:noFill/>
+          <a:ln>
+            <a:noFill/>
+          </a:ln>
+        </p:spPr>
+      </p:pic>
+      <p:sp>
+        <p:nvSpPr>
+          <p:cNvPr id="168" name="Google Shape;168;p25"/>
+          <p:cNvSpPr txBox="1"/>
+          <p:nvPr/>
+        </p:nvSpPr>
+        <p:spPr>
+          <a:xfrm>
+            <a:off x="541425" y="1378925"/>
+            <a:ext cx="2808600" cy="2131800"/>
+          </a:xfrm>
+          <a:prstGeom prst="rect">
+            <a:avLst/>
+          </a:prstGeom>
+          <a:noFill/>
+          <a:ln>
+            <a:noFill/>
+          </a:ln>
+        </p:spPr>
+        <p:txBody>
+          <a:bodyPr anchorCtr="0" anchor="t" bIns="91425" lIns="91425" spcFirstLastPara="1" rIns="91425" wrap="square" tIns="91425">
+            <a:spAutoFit/>
+          </a:bodyPr>
+          <a:lstStyle/>
+          <a:p>
+            <a:pPr indent="0" lvl="0" marL="0" rtl="0" algn="l">
+              <a:lnSpc>
+                <a:spcPct val="125000"/>
+              </a:lnSpc>
+              <a:spcBef>
+                <a:spcPts val="1000"/>
+              </a:spcBef>
+              <a:spcAft>
+                <a:spcPts val="0"/>
+              </a:spcAft>
+              <a:buNone/>
+            </a:pPr>
+            <a:r>
+              <a:rPr lang="en" sz="1800">
+                <a:solidFill>
+                  <a:srgbClr val="424242"/>
+                </a:solidFill>
+              </a:rPr>
+              <a:t>In the image the graph shows that Truist Park has held highest number of matches followed by Guaranteed Rate Field</a:t>
+            </a:r>
+            <a:endParaRPr sz="1800">
               <a:solidFill>
                 <a:srgbClr val="424242"/>
               </a:solidFill>
@@ -10349,7 +10506,7 @@
   <p:cSld>
     <p:spTree>
       <p:nvGrpSpPr>
-        <p:cNvPr id="171" name="Shape 171"/>
+        <p:cNvPr id="172" name="Shape 172"/>
         <p:cNvGrpSpPr/>
         <p:nvPr/>
       </p:nvGrpSpPr>
@@ -10361,46 +10518,6 @@
           <a:chExt cx="0" cy="0"/>
         </a:xfrm>
       </p:grpSpPr>
-      <p:sp>
-        <p:nvSpPr>
-          <p:cNvPr id="172" name="Google Shape;172;p26"/>
-          <p:cNvSpPr txBox="1"/>
-          <p:nvPr>
-            <p:ph type="title"/>
-          </p:nvPr>
-        </p:nvSpPr>
-        <p:spPr>
-          <a:xfrm>
-            <a:off x="311700" y="105200"/>
-            <a:ext cx="8520600" cy="607800"/>
-          </a:xfrm>
-          <a:prstGeom prst="rect">
-            <a:avLst/>
-          </a:prstGeom>
-        </p:spPr>
-        <p:txBody>
-          <a:bodyPr anchorCtr="0" anchor="t" bIns="91425" lIns="91425" spcFirstLastPara="1" rIns="91425" wrap="square" tIns="91425">
-            <a:normAutofit fontScale="90000"/>
-          </a:bodyPr>
-          <a:lstStyle/>
-          <a:p>
-            <a:pPr indent="0" lvl="0" marL="0" rtl="0" algn="l">
-              <a:spcBef>
-                <a:spcPts val="0"/>
-              </a:spcBef>
-              <a:spcAft>
-                <a:spcPts val="0"/>
-              </a:spcAft>
-              <a:buNone/>
-            </a:pPr>
-            <a:r>
-              <a:rPr lang="en"/>
-              <a:t>Most Venues to Hold Match</a:t>
-            </a:r>
-            <a:endParaRPr/>
-          </a:p>
-        </p:txBody>
-      </p:sp>
       <p:pic>
         <p:nvPicPr>
           <p:cNvPr id="173" name="Google Shape;173;p26"/>
@@ -10417,8 +10534,8 @@
         </p:blipFill>
         <p:spPr>
           <a:xfrm>
-            <a:off x="3659775" y="744275"/>
-            <a:ext cx="4766100" cy="4166000"/>
+            <a:off x="1550225" y="1449825"/>
+            <a:ext cx="7095600" cy="3262225"/>
           </a:xfrm>
           <a:prstGeom prst="rect">
             <a:avLst/>
@@ -10437,8 +10554,8 @@
         </p:nvSpPr>
         <p:spPr>
           <a:xfrm>
-            <a:off x="541425" y="1378925"/>
-            <a:ext cx="2808600" cy="2131800"/>
+            <a:off x="1759625" y="262250"/>
+            <a:ext cx="7021500" cy="769500"/>
           </a:xfrm>
           <a:prstGeom prst="rect">
             <a:avLst/>
@@ -10455,11 +10572,8 @@
           <a:lstStyle/>
           <a:p>
             <a:pPr indent="0" lvl="0" marL="0" rtl="0" algn="l">
-              <a:lnSpc>
-                <a:spcPct val="125000"/>
-              </a:lnSpc>
-              <a:spcBef>
-                <a:spcPts val="1000"/>
+              <a:spcBef>
+                <a:spcPts val="0"/>
               </a:spcBef>
               <a:spcAft>
                 <a:spcPts val="0"/>
@@ -10467,38 +10581,10 @@
               <a:buNone/>
             </a:pPr>
             <a:r>
-              <a:rPr lang="en" sz="1800">
-                <a:solidFill>
-                  <a:srgbClr val="424242"/>
-                </a:solidFill>
-              </a:rPr>
-              <a:t>In the image the graph shows that Truist Park has held highest number of matches followed by Guaranteed Rate Field</a:t>
+              <a:rPr lang="en" sz="1900"/>
+              <a:t>Citi Field Stadium and Guaranteed Rate Field Stadium are best suited for Fielding and Comerica Park is best suited for Batting.</a:t>
             </a:r>
-            <a:endParaRPr sz="1800">
-              <a:solidFill>
-                <a:srgbClr val="424242"/>
-              </a:solidFill>
-            </a:endParaRPr>
-          </a:p>
-          <a:p>
-            <a:pPr indent="0" lvl="0" marL="0" rtl="0" algn="l">
-              <a:spcBef>
-                <a:spcPts val="0"/>
-              </a:spcBef>
-              <a:spcAft>
-                <a:spcPts val="0"/>
-              </a:spcAft>
-              <a:buNone/>
-            </a:pPr>
-            <a:r>
-              <a:t/>
-            </a:r>
-            <a:endParaRPr>
-              <a:latin typeface="Roboto"/>
-              <a:ea typeface="Roboto"/>
-              <a:cs typeface="Roboto"/>
-              <a:sym typeface="Roboto"/>
-            </a:endParaRPr>
+            <a:endParaRPr sz="900"/>
           </a:p>
         </p:txBody>
       </p:sp>
@@ -10527,9 +10613,49 @@
           <a:chExt cx="0" cy="0"/>
         </a:xfrm>
       </p:grpSpPr>
+      <p:sp>
+        <p:nvSpPr>
+          <p:cNvPr id="179" name="Google Shape;179;p27"/>
+          <p:cNvSpPr txBox="1"/>
+          <p:nvPr>
+            <p:ph type="title"/>
+          </p:nvPr>
+        </p:nvSpPr>
+        <p:spPr>
+          <a:xfrm>
+            <a:off x="311700" y="29000"/>
+            <a:ext cx="8520600" cy="607800"/>
+          </a:xfrm>
+          <a:prstGeom prst="rect">
+            <a:avLst/>
+          </a:prstGeom>
+        </p:spPr>
+        <p:txBody>
+          <a:bodyPr anchorCtr="0" anchor="t" bIns="91425" lIns="91425" spcFirstLastPara="1" rIns="91425" wrap="square" tIns="91425">
+            <a:normAutofit fontScale="90000"/>
+          </a:bodyPr>
+          <a:lstStyle/>
+          <a:p>
+            <a:pPr indent="0" lvl="0" marL="0" rtl="0" algn="l">
+              <a:spcBef>
+                <a:spcPts val="0"/>
+              </a:spcBef>
+              <a:spcAft>
+                <a:spcPts val="0"/>
+              </a:spcAft>
+              <a:buNone/>
+            </a:pPr>
+            <a:r>
+              <a:rPr lang="en"/>
+              <a:t>Match Result</a:t>
+            </a:r>
+            <a:endParaRPr/>
+          </a:p>
+        </p:txBody>
+      </p:sp>
       <p:pic>
         <p:nvPicPr>
-          <p:cNvPr id="179" name="Google Shape;179;p27"/>
+          <p:cNvPr id="180" name="Google Shape;180;p27"/>
           <p:cNvPicPr preferRelativeResize="0"/>
           <p:nvPr/>
         </p:nvPicPr>
@@ -10543,8 +10669,8 @@
         </p:blipFill>
         <p:spPr>
           <a:xfrm>
-            <a:off x="1550225" y="1449825"/>
-            <a:ext cx="7095600" cy="3262225"/>
+            <a:off x="4451400" y="772450"/>
+            <a:ext cx="4256350" cy="3914225"/>
           </a:xfrm>
           <a:prstGeom prst="rect">
             <a:avLst/>
@@ -10557,142 +10683,7 @@
       </p:pic>
       <p:sp>
         <p:nvSpPr>
-          <p:cNvPr id="180" name="Google Shape;180;p27"/>
-          <p:cNvSpPr txBox="1"/>
-          <p:nvPr/>
-        </p:nvSpPr>
-        <p:spPr>
-          <a:xfrm>
-            <a:off x="1759625" y="262250"/>
-            <a:ext cx="7021500" cy="769500"/>
-          </a:xfrm>
-          <a:prstGeom prst="rect">
-            <a:avLst/>
-          </a:prstGeom>
-          <a:noFill/>
-          <a:ln>
-            <a:noFill/>
-          </a:ln>
-        </p:spPr>
-        <p:txBody>
-          <a:bodyPr anchorCtr="0" anchor="t" bIns="91425" lIns="91425" spcFirstLastPara="1" rIns="91425" wrap="square" tIns="91425">
-            <a:spAutoFit/>
-          </a:bodyPr>
-          <a:lstStyle/>
-          <a:p>
-            <a:pPr indent="0" lvl="0" marL="0" rtl="0" algn="l">
-              <a:spcBef>
-                <a:spcPts val="0"/>
-              </a:spcBef>
-              <a:spcAft>
-                <a:spcPts val="0"/>
-              </a:spcAft>
-              <a:buNone/>
-            </a:pPr>
-            <a:r>
-              <a:rPr lang="en" sz="1900"/>
-              <a:t>Citi Field Stadium and Guaranteed Rate Field Stadium are best suited for Fielding and Comerica Park is best suited for Batting.</a:t>
-            </a:r>
-            <a:endParaRPr sz="900"/>
-          </a:p>
-        </p:txBody>
-      </p:sp>
-    </p:spTree>
-  </p:cSld>
-  <p:clrMapOvr>
-    <a:masterClrMapping/>
-  </p:clrMapOvr>
-</p:sld>
-</file>
-
-<file path=ppt/slides/slide16.xml><?xml version="1.0" encoding="utf-8"?>
-<p:sld xmlns:a="http://schemas.openxmlformats.org/drawingml/2006/main" xmlns:r="http://schemas.openxmlformats.org/officeDocument/2006/relationships" xmlns:mc="http://schemas.openxmlformats.org/markup-compatibility/2006" xmlns:mv="urn:schemas-microsoft-com:mac:vml" xmlns:p="http://schemas.openxmlformats.org/presentationml/2006/main" xmlns:c="http://schemas.openxmlformats.org/drawingml/2006/chart" xmlns:dgm="http://schemas.openxmlformats.org/drawingml/2006/diagram" xmlns:o="urn:schemas-microsoft-com:office:office" xmlns:v="urn:schemas-microsoft-com:vml" xmlns:pvml="urn:schemas-microsoft-com:office:powerpoint" xmlns:com="http://schemas.openxmlformats.org/drawingml/2006/compatibility" xmlns:p14="http://schemas.microsoft.com/office/powerpoint/2010/main" xmlns:p15="http://schemas.microsoft.com/office/powerpoint/2012/main" xmlns:ahyp="http://schemas.microsoft.com/office/drawing/2018/hyperlinkcolor">
-  <p:cSld>
-    <p:spTree>
-      <p:nvGrpSpPr>
-        <p:cNvPr id="184" name="Shape 184"/>
-        <p:cNvGrpSpPr/>
-        <p:nvPr/>
-      </p:nvGrpSpPr>
-      <p:grpSpPr>
-        <a:xfrm>
-          <a:off x="0" y="0"/>
-          <a:ext cx="0" cy="0"/>
-          <a:chOff x="0" y="0"/>
-          <a:chExt cx="0" cy="0"/>
-        </a:xfrm>
-      </p:grpSpPr>
-      <p:sp>
-        <p:nvSpPr>
-          <p:cNvPr id="185" name="Google Shape;185;p28"/>
-          <p:cNvSpPr txBox="1"/>
-          <p:nvPr>
-            <p:ph type="title"/>
-          </p:nvPr>
-        </p:nvSpPr>
-        <p:spPr>
-          <a:xfrm>
-            <a:off x="311700" y="29000"/>
-            <a:ext cx="8520600" cy="607800"/>
-          </a:xfrm>
-          <a:prstGeom prst="rect">
-            <a:avLst/>
-          </a:prstGeom>
-        </p:spPr>
-        <p:txBody>
-          <a:bodyPr anchorCtr="0" anchor="t" bIns="91425" lIns="91425" spcFirstLastPara="1" rIns="91425" wrap="square" tIns="91425">
-            <a:normAutofit fontScale="90000"/>
-          </a:bodyPr>
-          <a:lstStyle/>
-          <a:p>
-            <a:pPr indent="0" lvl="0" marL="0" rtl="0" algn="l">
-              <a:spcBef>
-                <a:spcPts val="0"/>
-              </a:spcBef>
-              <a:spcAft>
-                <a:spcPts val="0"/>
-              </a:spcAft>
-              <a:buNone/>
-            </a:pPr>
-            <a:r>
-              <a:rPr lang="en"/>
-              <a:t>Match Result</a:t>
-            </a:r>
-            <a:endParaRPr/>
-          </a:p>
-        </p:txBody>
-      </p:sp>
-      <p:pic>
-        <p:nvPicPr>
-          <p:cNvPr id="186" name="Google Shape;186;p28"/>
-          <p:cNvPicPr preferRelativeResize="0"/>
-          <p:nvPr/>
-        </p:nvPicPr>
-        <p:blipFill>
-          <a:blip r:embed="rId3">
-            <a:alphaModFix/>
-          </a:blip>
-          <a:stretch>
-            <a:fillRect/>
-          </a:stretch>
-        </p:blipFill>
-        <p:spPr>
-          <a:xfrm>
-            <a:off x="4451400" y="772450"/>
-            <a:ext cx="4256350" cy="3914225"/>
-          </a:xfrm>
-          <a:prstGeom prst="rect">
-            <a:avLst/>
-          </a:prstGeom>
-          <a:noFill/>
-          <a:ln>
-            <a:noFill/>
-          </a:ln>
-        </p:spPr>
-      </p:pic>
-      <p:sp>
-        <p:nvSpPr>
-          <p:cNvPr id="187" name="Google Shape;187;p28"/>
+          <p:cNvPr id="181" name="Google Shape;181;p27"/>
           <p:cNvSpPr txBox="1"/>
           <p:nvPr/>
         </p:nvSpPr>
@@ -10748,6 +10739,189 @@
               <a:cs typeface="Maven Pro Medium"/>
               <a:sym typeface="Maven Pro Medium"/>
             </a:endParaRPr>
+          </a:p>
+          <a:p>
+            <a:pPr indent="0" lvl="0" marL="0" rtl="0" algn="l">
+              <a:spcBef>
+                <a:spcPts val="0"/>
+              </a:spcBef>
+              <a:spcAft>
+                <a:spcPts val="0"/>
+              </a:spcAft>
+              <a:buNone/>
+            </a:pPr>
+            <a:r>
+              <a:t/>
+            </a:r>
+            <a:endParaRPr>
+              <a:latin typeface="Roboto"/>
+              <a:ea typeface="Roboto"/>
+              <a:cs typeface="Roboto"/>
+              <a:sym typeface="Roboto"/>
+            </a:endParaRPr>
+          </a:p>
+        </p:txBody>
+      </p:sp>
+    </p:spTree>
+  </p:cSld>
+  <p:clrMapOvr>
+    <a:masterClrMapping/>
+  </p:clrMapOvr>
+</p:sld>
+</file>
+
+<file path=ppt/slides/slide16.xml><?xml version="1.0" encoding="utf-8"?>
+<p:sld xmlns:a="http://schemas.openxmlformats.org/drawingml/2006/main" xmlns:r="http://schemas.openxmlformats.org/officeDocument/2006/relationships" xmlns:mc="http://schemas.openxmlformats.org/markup-compatibility/2006" xmlns:mv="urn:schemas-microsoft-com:mac:vml" xmlns:p="http://schemas.openxmlformats.org/presentationml/2006/main" xmlns:c="http://schemas.openxmlformats.org/drawingml/2006/chart" xmlns:dgm="http://schemas.openxmlformats.org/drawingml/2006/diagram" xmlns:o="urn:schemas-microsoft-com:office:office" xmlns:v="urn:schemas-microsoft-com:vml" xmlns:pvml="urn:schemas-microsoft-com:office:powerpoint" xmlns:com="http://schemas.openxmlformats.org/drawingml/2006/compatibility" xmlns:p14="http://schemas.microsoft.com/office/powerpoint/2010/main" xmlns:p15="http://schemas.microsoft.com/office/powerpoint/2012/main" xmlns:ahyp="http://schemas.microsoft.com/office/drawing/2018/hyperlinkcolor">
+  <p:cSld>
+    <p:spTree>
+      <p:nvGrpSpPr>
+        <p:cNvPr id="185" name="Shape 185"/>
+        <p:cNvGrpSpPr/>
+        <p:nvPr/>
+      </p:nvGrpSpPr>
+      <p:grpSpPr>
+        <a:xfrm>
+          <a:off x="0" y="0"/>
+          <a:ext cx="0" cy="0"/>
+          <a:chOff x="0" y="0"/>
+          <a:chExt cx="0" cy="0"/>
+        </a:xfrm>
+      </p:grpSpPr>
+      <p:sp>
+        <p:nvSpPr>
+          <p:cNvPr id="186" name="Google Shape;186;p28"/>
+          <p:cNvSpPr txBox="1"/>
+          <p:nvPr>
+            <p:ph type="title"/>
+          </p:nvPr>
+        </p:nvSpPr>
+        <p:spPr>
+          <a:xfrm>
+            <a:off x="311700" y="105200"/>
+            <a:ext cx="8520600" cy="607800"/>
+          </a:xfrm>
+          <a:prstGeom prst="rect">
+            <a:avLst/>
+          </a:prstGeom>
+        </p:spPr>
+        <p:txBody>
+          <a:bodyPr anchorCtr="0" anchor="t" bIns="91425" lIns="91425" spcFirstLastPara="1" rIns="91425" wrap="square" tIns="91425">
+            <a:normAutofit fontScale="90000"/>
+          </a:bodyPr>
+          <a:lstStyle/>
+          <a:p>
+            <a:pPr indent="0" lvl="0" marL="0" rtl="0" algn="l">
+              <a:spcBef>
+                <a:spcPts val="0"/>
+              </a:spcBef>
+              <a:spcAft>
+                <a:spcPts val="0"/>
+              </a:spcAft>
+              <a:buNone/>
+            </a:pPr>
+            <a:r>
+              <a:rPr lang="en"/>
+              <a:t>Toss Winner VS Toss Decision</a:t>
+            </a:r>
+            <a:endParaRPr/>
+          </a:p>
+          <a:p>
+            <a:pPr indent="0" lvl="0" marL="0" rtl="0" algn="ctr">
+              <a:lnSpc>
+                <a:spcPct val="90000"/>
+              </a:lnSpc>
+              <a:spcBef>
+                <a:spcPts val="0"/>
+              </a:spcBef>
+              <a:spcAft>
+                <a:spcPts val="0"/>
+              </a:spcAft>
+              <a:buClr>
+                <a:schemeClr val="lt1"/>
+              </a:buClr>
+              <a:buSzPct val="80000"/>
+              <a:buFont typeface="Rockwell"/>
+              <a:buNone/>
+            </a:pPr>
+            <a:r>
+              <a:t/>
+            </a:r>
+            <a:endParaRPr/>
+          </a:p>
+        </p:txBody>
+      </p:sp>
+      <p:pic>
+        <p:nvPicPr>
+          <p:cNvPr id="187" name="Google Shape;187;p28"/>
+          <p:cNvPicPr preferRelativeResize="0"/>
+          <p:nvPr/>
+        </p:nvPicPr>
+        <p:blipFill>
+          <a:blip r:embed="rId3">
+            <a:alphaModFix/>
+          </a:blip>
+          <a:stretch>
+            <a:fillRect/>
+          </a:stretch>
+        </p:blipFill>
+        <p:spPr>
+          <a:xfrm>
+            <a:off x="118550" y="899475"/>
+            <a:ext cx="5794775" cy="3820900"/>
+          </a:xfrm>
+          <a:prstGeom prst="rect">
+            <a:avLst/>
+          </a:prstGeom>
+          <a:noFill/>
+          <a:ln>
+            <a:noFill/>
+          </a:ln>
+        </p:spPr>
+      </p:pic>
+      <p:sp>
+        <p:nvSpPr>
+          <p:cNvPr id="188" name="Google Shape;188;p28"/>
+          <p:cNvSpPr txBox="1"/>
+          <p:nvPr/>
+        </p:nvSpPr>
+        <p:spPr>
+          <a:xfrm>
+            <a:off x="6801600" y="1387400"/>
+            <a:ext cx="1801800" cy="1785600"/>
+          </a:xfrm>
+          <a:prstGeom prst="rect">
+            <a:avLst/>
+          </a:prstGeom>
+          <a:noFill/>
+          <a:ln>
+            <a:noFill/>
+          </a:ln>
+        </p:spPr>
+        <p:txBody>
+          <a:bodyPr anchorCtr="0" anchor="t" bIns="91425" lIns="91425" spcFirstLastPara="1" rIns="91425" wrap="square" tIns="91425">
+            <a:spAutoFit/>
+          </a:bodyPr>
+          <a:lstStyle/>
+          <a:p>
+            <a:pPr indent="0" lvl="0" marL="0" rtl="0" algn="l">
+              <a:spcBef>
+                <a:spcPts val="0"/>
+              </a:spcBef>
+              <a:spcAft>
+                <a:spcPts val="0"/>
+              </a:spcAft>
+              <a:buClr>
+                <a:schemeClr val="lt1"/>
+              </a:buClr>
+              <a:buSzPts val="1800"/>
+              <a:buFont typeface="Avenir"/>
+              <a:buNone/>
+            </a:pPr>
+            <a:r>
+              <a:rPr lang="en" sz="1800"/>
+              <a:t>The teams who won toss also are the one won most of the matches</a:t>
+            </a:r>
+            <a:endParaRPr sz="1800"/>
           </a:p>
           <a:p>
             <a:pPr indent="0" lvl="0" marL="0" rtl="0" algn="l">
@@ -10784,7 +10958,7 @@
   <p:cSld>
     <p:spTree>
       <p:nvGrpSpPr>
-        <p:cNvPr id="191" name="Shape 191"/>
+        <p:cNvPr id="192" name="Shape 192"/>
         <p:cNvGrpSpPr/>
         <p:nvPr/>
       </p:nvGrpSpPr>
@@ -10798,244 +10972,7 @@
       </p:grpSpPr>
       <p:sp>
         <p:nvSpPr>
-          <p:cNvPr id="192" name="Google Shape;192;p29"/>
-          <p:cNvSpPr txBox="1"/>
-          <p:nvPr>
-            <p:ph type="title"/>
-          </p:nvPr>
-        </p:nvSpPr>
-        <p:spPr>
-          <a:xfrm>
-            <a:off x="311700" y="105200"/>
-            <a:ext cx="8520600" cy="607800"/>
-          </a:xfrm>
-          <a:prstGeom prst="rect">
-            <a:avLst/>
-          </a:prstGeom>
-        </p:spPr>
-        <p:txBody>
-          <a:bodyPr anchorCtr="0" anchor="t" bIns="91425" lIns="91425" spcFirstLastPara="1" rIns="91425" wrap="square" tIns="91425">
-            <a:normAutofit fontScale="90000"/>
-          </a:bodyPr>
-          <a:lstStyle/>
-          <a:p>
-            <a:pPr indent="0" lvl="0" marL="0" rtl="0" algn="l">
-              <a:spcBef>
-                <a:spcPts val="0"/>
-              </a:spcBef>
-              <a:spcAft>
-                <a:spcPts val="0"/>
-              </a:spcAft>
-              <a:buNone/>
-            </a:pPr>
-            <a:r>
-              <a:rPr lang="en"/>
-              <a:t>Toss Winner VS Toss Decision</a:t>
-            </a:r>
-            <a:endParaRPr/>
-          </a:p>
-          <a:p>
-            <a:pPr indent="0" lvl="0" marL="0" rtl="0" algn="ctr">
-              <a:lnSpc>
-                <a:spcPct val="90000"/>
-              </a:lnSpc>
-              <a:spcBef>
-                <a:spcPts val="0"/>
-              </a:spcBef>
-              <a:spcAft>
-                <a:spcPts val="0"/>
-              </a:spcAft>
-              <a:buClr>
-                <a:schemeClr val="lt1"/>
-              </a:buClr>
-              <a:buSzPct val="80000"/>
-              <a:buFont typeface="Rockwell"/>
-              <a:buNone/>
-            </a:pPr>
-            <a:r>
-              <a:t/>
-            </a:r>
-            <a:endParaRPr/>
-          </a:p>
-        </p:txBody>
-      </p:sp>
-      <p:pic>
-        <p:nvPicPr>
           <p:cNvPr id="193" name="Google Shape;193;p29"/>
-          <p:cNvPicPr preferRelativeResize="0"/>
-          <p:nvPr/>
-        </p:nvPicPr>
-        <p:blipFill>
-          <a:blip r:embed="rId3">
-            <a:alphaModFix/>
-          </a:blip>
-          <a:stretch>
-            <a:fillRect/>
-          </a:stretch>
-        </p:blipFill>
-        <p:spPr>
-          <a:xfrm>
-            <a:off x="118550" y="899475"/>
-            <a:ext cx="5794775" cy="3820900"/>
-          </a:xfrm>
-          <a:prstGeom prst="rect">
-            <a:avLst/>
-          </a:prstGeom>
-          <a:noFill/>
-          <a:ln>
-            <a:noFill/>
-          </a:ln>
-        </p:spPr>
-      </p:pic>
-      <p:sp>
-        <p:nvSpPr>
-          <p:cNvPr id="194" name="Google Shape;194;p29"/>
-          <p:cNvSpPr txBox="1"/>
-          <p:nvPr/>
-        </p:nvSpPr>
-        <p:spPr>
-          <a:xfrm>
-            <a:off x="6801600" y="1387400"/>
-            <a:ext cx="1801800" cy="1785600"/>
-          </a:xfrm>
-          <a:prstGeom prst="rect">
-            <a:avLst/>
-          </a:prstGeom>
-          <a:noFill/>
-          <a:ln>
-            <a:noFill/>
-          </a:ln>
-        </p:spPr>
-        <p:txBody>
-          <a:bodyPr anchorCtr="0" anchor="t" bIns="91425" lIns="91425" spcFirstLastPara="1" rIns="91425" wrap="square" tIns="91425">
-            <a:spAutoFit/>
-          </a:bodyPr>
-          <a:lstStyle/>
-          <a:p>
-            <a:pPr indent="0" lvl="0" marL="0" rtl="0" algn="l">
-              <a:spcBef>
-                <a:spcPts val="0"/>
-              </a:spcBef>
-              <a:spcAft>
-                <a:spcPts val="0"/>
-              </a:spcAft>
-              <a:buClr>
-                <a:schemeClr val="lt1"/>
-              </a:buClr>
-              <a:buSzPts val="1800"/>
-              <a:buFont typeface="Avenir"/>
-              <a:buNone/>
-            </a:pPr>
-            <a:r>
-              <a:rPr lang="en" sz="1800"/>
-              <a:t>The teams who won toss also are the one won most of the matches</a:t>
-            </a:r>
-            <a:endParaRPr sz="1800"/>
-          </a:p>
-          <a:p>
-            <a:pPr indent="0" lvl="0" marL="0" rtl="0" algn="l">
-              <a:spcBef>
-                <a:spcPts val="0"/>
-              </a:spcBef>
-              <a:spcAft>
-                <a:spcPts val="0"/>
-              </a:spcAft>
-              <a:buNone/>
-            </a:pPr>
-            <a:r>
-              <a:t/>
-            </a:r>
-            <a:endParaRPr>
-              <a:latin typeface="Roboto"/>
-              <a:ea typeface="Roboto"/>
-              <a:cs typeface="Roboto"/>
-              <a:sym typeface="Roboto"/>
-            </a:endParaRPr>
-          </a:p>
-        </p:txBody>
-      </p:sp>
-    </p:spTree>
-  </p:cSld>
-  <p:clrMapOvr>
-    <a:masterClrMapping/>
-  </p:clrMapOvr>
-</p:sld>
-</file>
-
-<file path=ppt/slides/slide18.xml><?xml version="1.0" encoding="utf-8"?>
-<p:sld xmlns:a="http://schemas.openxmlformats.org/drawingml/2006/main" xmlns:r="http://schemas.openxmlformats.org/officeDocument/2006/relationships" xmlns:mc="http://schemas.openxmlformats.org/markup-compatibility/2006" xmlns:mv="urn:schemas-microsoft-com:mac:vml" xmlns:p="http://schemas.openxmlformats.org/presentationml/2006/main" xmlns:c="http://schemas.openxmlformats.org/drawingml/2006/chart" xmlns:dgm="http://schemas.openxmlformats.org/drawingml/2006/diagram" xmlns:o="urn:schemas-microsoft-com:office:office" xmlns:v="urn:schemas-microsoft-com:vml" xmlns:pvml="urn:schemas-microsoft-com:office:powerpoint" xmlns:com="http://schemas.openxmlformats.org/drawingml/2006/compatibility" xmlns:p14="http://schemas.microsoft.com/office/powerpoint/2010/main" xmlns:p15="http://schemas.microsoft.com/office/powerpoint/2012/main" xmlns:ahyp="http://schemas.microsoft.com/office/drawing/2018/hyperlinkcolor">
-  <p:cSld>
-    <p:spTree>
-      <p:nvGrpSpPr>
-        <p:cNvPr id="198" name="Shape 198"/>
-        <p:cNvGrpSpPr/>
-        <p:nvPr/>
-      </p:nvGrpSpPr>
-      <p:grpSpPr>
-        <a:xfrm>
-          <a:off x="0" y="0"/>
-          <a:ext cx="0" cy="0"/>
-          <a:chOff x="0" y="0"/>
-          <a:chExt cx="0" cy="0"/>
-        </a:xfrm>
-      </p:grpSpPr>
-      <p:pic>
-        <p:nvPicPr>
-          <p:cNvPr descr="Picture 3" id="199" name="Google Shape;199;p30"/>
-          <p:cNvPicPr preferRelativeResize="0"/>
-          <p:nvPr/>
-        </p:nvPicPr>
-        <p:blipFill rotWithShape="1">
-          <a:blip r:embed="rId3">
-            <a:alphaModFix/>
-          </a:blip>
-          <a:srcRect b="0" l="0" r="0" t="0"/>
-          <a:stretch/>
-        </p:blipFill>
-        <p:spPr>
-          <a:xfrm>
-            <a:off x="623800" y="2618725"/>
-            <a:ext cx="2964301" cy="1841084"/>
-          </a:xfrm>
-          <a:prstGeom prst="rect">
-            <a:avLst/>
-          </a:prstGeom>
-          <a:noFill/>
-          <a:ln>
-            <a:noFill/>
-          </a:ln>
-        </p:spPr>
-      </p:pic>
-      <p:pic>
-        <p:nvPicPr>
-          <p:cNvPr descr="Picture 6" id="200" name="Google Shape;200;p30"/>
-          <p:cNvPicPr preferRelativeResize="0"/>
-          <p:nvPr/>
-        </p:nvPicPr>
-        <p:blipFill rotWithShape="1">
-          <a:blip r:embed="rId4">
-            <a:alphaModFix/>
-          </a:blip>
-          <a:srcRect b="0" l="0" r="0" t="0"/>
-          <a:stretch/>
-        </p:blipFill>
-        <p:spPr>
-          <a:xfrm>
-            <a:off x="623800" y="432800"/>
-            <a:ext cx="2964308" cy="1772050"/>
-          </a:xfrm>
-          <a:prstGeom prst="rect">
-            <a:avLst/>
-          </a:prstGeom>
-          <a:noFill/>
-          <a:ln>
-            <a:noFill/>
-          </a:ln>
-        </p:spPr>
-      </p:pic>
-      <p:sp>
-        <p:nvSpPr>
-          <p:cNvPr id="201" name="Google Shape;201;p30"/>
           <p:cNvSpPr txBox="1"/>
           <p:nvPr/>
         </p:nvSpPr>
@@ -11107,6 +11044,161 @@
               <a:cs typeface="Roboto"/>
               <a:sym typeface="Roboto"/>
             </a:endParaRPr>
+          </a:p>
+        </p:txBody>
+      </p:sp>
+      <p:pic>
+        <p:nvPicPr>
+          <p:cNvPr id="194" name="Google Shape;194;p29"/>
+          <p:cNvPicPr preferRelativeResize="0"/>
+          <p:nvPr/>
+        </p:nvPicPr>
+        <p:blipFill>
+          <a:blip r:embed="rId3">
+            <a:alphaModFix/>
+          </a:blip>
+          <a:stretch>
+            <a:fillRect/>
+          </a:stretch>
+        </p:blipFill>
+        <p:spPr>
+          <a:xfrm>
+            <a:off x="152400" y="152400"/>
+            <a:ext cx="4411670" cy="2313925"/>
+          </a:xfrm>
+          <a:prstGeom prst="rect">
+            <a:avLst/>
+          </a:prstGeom>
+          <a:noFill/>
+          <a:ln>
+            <a:noFill/>
+          </a:ln>
+        </p:spPr>
+      </p:pic>
+      <p:pic>
+        <p:nvPicPr>
+          <p:cNvPr id="195" name="Google Shape;195;p29"/>
+          <p:cNvPicPr preferRelativeResize="0"/>
+          <p:nvPr/>
+        </p:nvPicPr>
+        <p:blipFill>
+          <a:blip r:embed="rId4">
+            <a:alphaModFix/>
+          </a:blip>
+          <a:stretch>
+            <a:fillRect/>
+          </a:stretch>
+        </p:blipFill>
+        <p:spPr>
+          <a:xfrm>
+            <a:off x="705875" y="2466325"/>
+            <a:ext cx="3858188" cy="2372375"/>
+          </a:xfrm>
+          <a:prstGeom prst="rect">
+            <a:avLst/>
+          </a:prstGeom>
+          <a:noFill/>
+          <a:ln>
+            <a:noFill/>
+          </a:ln>
+        </p:spPr>
+      </p:pic>
+    </p:spTree>
+  </p:cSld>
+  <p:clrMapOvr>
+    <a:masterClrMapping/>
+  </p:clrMapOvr>
+</p:sld>
+</file>
+
+<file path=ppt/slides/slide18.xml><?xml version="1.0" encoding="utf-8"?>
+<p:sld xmlns:a="http://schemas.openxmlformats.org/drawingml/2006/main" xmlns:r="http://schemas.openxmlformats.org/officeDocument/2006/relationships" xmlns:mc="http://schemas.openxmlformats.org/markup-compatibility/2006" xmlns:mv="urn:schemas-microsoft-com:mac:vml" xmlns:p="http://schemas.openxmlformats.org/presentationml/2006/main" xmlns:c="http://schemas.openxmlformats.org/drawingml/2006/chart" xmlns:dgm="http://schemas.openxmlformats.org/drawingml/2006/diagram" xmlns:o="urn:schemas-microsoft-com:office:office" xmlns:v="urn:schemas-microsoft-com:vml" xmlns:pvml="urn:schemas-microsoft-com:office:powerpoint" xmlns:com="http://schemas.openxmlformats.org/drawingml/2006/compatibility" xmlns:p14="http://schemas.microsoft.com/office/powerpoint/2010/main" xmlns:p15="http://schemas.microsoft.com/office/powerpoint/2012/main" xmlns:ahyp="http://schemas.microsoft.com/office/drawing/2018/hyperlinkcolor">
+  <p:cSld>
+    <p:spTree>
+      <p:nvGrpSpPr>
+        <p:cNvPr id="199" name="Shape 199"/>
+        <p:cNvGrpSpPr/>
+        <p:nvPr/>
+      </p:nvGrpSpPr>
+      <p:grpSpPr>
+        <a:xfrm>
+          <a:off x="0" y="0"/>
+          <a:ext cx="0" cy="0"/>
+          <a:chOff x="0" y="0"/>
+          <a:chExt cx="0" cy="0"/>
+        </a:xfrm>
+      </p:grpSpPr>
+      <p:pic>
+        <p:nvPicPr>
+          <p:cNvPr id="200" name="Google Shape;200;p30"/>
+          <p:cNvPicPr preferRelativeResize="0"/>
+          <p:nvPr/>
+        </p:nvPicPr>
+        <p:blipFill>
+          <a:blip r:embed="rId3">
+            <a:alphaModFix/>
+          </a:blip>
+          <a:stretch>
+            <a:fillRect/>
+          </a:stretch>
+        </p:blipFill>
+        <p:spPr>
+          <a:xfrm>
+            <a:off x="152400" y="381000"/>
+            <a:ext cx="5183649" cy="4449675"/>
+          </a:xfrm>
+          <a:prstGeom prst="rect">
+            <a:avLst/>
+          </a:prstGeom>
+          <a:noFill/>
+          <a:ln>
+            <a:noFill/>
+          </a:ln>
+        </p:spPr>
+      </p:pic>
+      <p:sp>
+        <p:nvSpPr>
+          <p:cNvPr id="201" name="Google Shape;201;p30"/>
+          <p:cNvSpPr txBox="1"/>
+          <p:nvPr/>
+        </p:nvSpPr>
+        <p:spPr>
+          <a:xfrm>
+            <a:off x="6065600" y="245150"/>
+            <a:ext cx="2461800" cy="3986700"/>
+          </a:xfrm>
+          <a:prstGeom prst="rect">
+            <a:avLst/>
+          </a:prstGeom>
+          <a:noFill/>
+          <a:ln>
+            <a:noFill/>
+          </a:ln>
+        </p:spPr>
+        <p:txBody>
+          <a:bodyPr anchorCtr="0" anchor="t" bIns="91425" lIns="91425" spcFirstLastPara="1" rIns="91425" wrap="square" tIns="91425">
+            <a:spAutoFit/>
+          </a:bodyPr>
+          <a:lstStyle/>
+          <a:p>
+            <a:pPr indent="0" lvl="0" marL="0" rtl="0" algn="l">
+              <a:spcBef>
+                <a:spcPts val="0"/>
+              </a:spcBef>
+              <a:spcAft>
+                <a:spcPts val="0"/>
+              </a:spcAft>
+              <a:buNone/>
+            </a:pPr>
+            <a:r>
+              <a:rPr lang="en" sz="1300">
+                <a:solidFill>
+                  <a:srgbClr val="374151"/>
+                </a:solidFill>
+              </a:rPr>
+              <a:t>The image represents the correlation present in the Ball-by-Ball dataset. Each square in the image indicates the correlation between the variables on the respective axes. Values close to zero indicate the absence of a linear trend between the two variables. A correlation closer to 1 suggests a stronger positive correlation between the variables. The correlation strength is denoted by the size and color intensity of the number, with larger and darker numbers representing higher correlation between the variables.</a:t>
+            </a:r>
+            <a:endParaRPr sz="1500"/>
           </a:p>
         </p:txBody>
       </p:sp>
@@ -11135,9 +11227,49 @@
           <a:chExt cx="0" cy="0"/>
         </a:xfrm>
       </p:grpSpPr>
+      <p:sp>
+        <p:nvSpPr>
+          <p:cNvPr id="206" name="Google Shape;206;p31"/>
+          <p:cNvSpPr txBox="1"/>
+          <p:nvPr>
+            <p:ph type="title"/>
+          </p:nvPr>
+        </p:nvSpPr>
+        <p:spPr>
+          <a:xfrm>
+            <a:off x="311700" y="181400"/>
+            <a:ext cx="8520600" cy="607800"/>
+          </a:xfrm>
+          <a:prstGeom prst="rect">
+            <a:avLst/>
+          </a:prstGeom>
+        </p:spPr>
+        <p:txBody>
+          <a:bodyPr anchorCtr="0" anchor="t" bIns="91425" lIns="91425" spcFirstLastPara="1" rIns="91425" wrap="square" tIns="91425">
+            <a:normAutofit fontScale="90000"/>
+          </a:bodyPr>
+          <a:lstStyle/>
+          <a:p>
+            <a:pPr indent="0" lvl="0" marL="0" rtl="0" algn="l">
+              <a:spcBef>
+                <a:spcPts val="0"/>
+              </a:spcBef>
+              <a:spcAft>
+                <a:spcPts val="0"/>
+              </a:spcAft>
+              <a:buNone/>
+            </a:pPr>
+            <a:r>
+              <a:rPr lang="en"/>
+              <a:t>Data Visualization for Most Runs Scored</a:t>
+            </a:r>
+            <a:endParaRPr/>
+          </a:p>
+        </p:txBody>
+      </p:sp>
       <p:pic>
         <p:nvPicPr>
-          <p:cNvPr id="206" name="Google Shape;206;p31"/>
+          <p:cNvPr id="207" name="Google Shape;207;p31"/>
           <p:cNvPicPr preferRelativeResize="0"/>
           <p:nvPr/>
         </p:nvPicPr>
@@ -11151,8 +11283,8 @@
         </p:blipFill>
         <p:spPr>
           <a:xfrm>
-            <a:off x="152400" y="381000"/>
-            <a:ext cx="5183649" cy="4449675"/>
+            <a:off x="1029075" y="996575"/>
+            <a:ext cx="2448250" cy="3740799"/>
           </a:xfrm>
           <a:prstGeom prst="rect">
             <a:avLst/>
@@ -11163,16 +11295,24 @@
           </a:ln>
         </p:spPr>
       </p:pic>
-      <p:sp>
-        <p:nvSpPr>
-          <p:cNvPr id="207" name="Google Shape;207;p31"/>
-          <p:cNvSpPr txBox="1"/>
+      <p:pic>
+        <p:nvPicPr>
+          <p:cNvPr id="208" name="Google Shape;208;p31"/>
+          <p:cNvPicPr preferRelativeResize="0"/>
           <p:nvPr/>
-        </p:nvSpPr>
+        </p:nvPicPr>
+        <p:blipFill>
+          <a:blip r:embed="rId4">
+            <a:alphaModFix/>
+          </a:blip>
+          <a:stretch>
+            <a:fillRect/>
+          </a:stretch>
+        </p:blipFill>
         <p:spPr>
           <a:xfrm>
-            <a:off x="6065600" y="245150"/>
-            <a:ext cx="2461800" cy="3986700"/>
+            <a:off x="4469401" y="844175"/>
+            <a:ext cx="3916550" cy="3916550"/>
           </a:xfrm>
           <a:prstGeom prst="rect">
             <a:avLst/>
@@ -11182,33 +11322,7 @@
             <a:noFill/>
           </a:ln>
         </p:spPr>
-        <p:txBody>
-          <a:bodyPr anchorCtr="0" anchor="t" bIns="91425" lIns="91425" spcFirstLastPara="1" rIns="91425" wrap="square" tIns="91425">
-            <a:spAutoFit/>
-          </a:bodyPr>
-          <a:lstStyle/>
-          <a:p>
-            <a:pPr indent="0" lvl="0" marL="0" rtl="0" algn="l">
-              <a:spcBef>
-                <a:spcPts val="0"/>
-              </a:spcBef>
-              <a:spcAft>
-                <a:spcPts val="0"/>
-              </a:spcAft>
-              <a:buNone/>
-            </a:pPr>
-            <a:r>
-              <a:rPr lang="en" sz="1300">
-                <a:solidFill>
-                  <a:srgbClr val="374151"/>
-                </a:solidFill>
-              </a:rPr>
-              <a:t>The image represents the correlation present in the Ball-by-Ball dataset. Each square in the image indicates the correlation between the variables on the respective axes. Values close to zero indicate the absence of a linear trend between the two variables. A correlation closer to 1 suggests a stronger positive correlation between the variables. The correlation strength is denoted by the size and color intensity of the number, with larger and darker numbers representing higher correlation between the variables.</a:t>
-            </a:r>
-            <a:endParaRPr sz="1500"/>
-          </a:p>
-        </p:txBody>
-      </p:sp>
+      </p:pic>
     </p:spTree>
   </p:cSld>
   <p:clrMapOvr>
@@ -11222,7 +11336,7 @@
   <p:cSld>
     <p:spTree>
       <p:nvGrpSpPr>
-        <p:cNvPr id="90" name="Shape 90"/>
+        <p:cNvPr id="91" name="Shape 91"/>
         <p:cNvGrpSpPr/>
         <p:nvPr/>
       </p:nvGrpSpPr>
@@ -11236,7 +11350,7 @@
       </p:grpSpPr>
       <p:sp>
         <p:nvSpPr>
-          <p:cNvPr id="91" name="Google Shape;91;p14"/>
+          <p:cNvPr id="92" name="Google Shape;92;p14"/>
           <p:cNvSpPr txBox="1"/>
           <p:nvPr>
             <p:ph type="title"/>
@@ -11276,7 +11390,7 @@
       </p:sp>
       <p:sp>
         <p:nvSpPr>
-          <p:cNvPr id="92" name="Google Shape;92;p14"/>
+          <p:cNvPr id="93" name="Google Shape;93;p14"/>
           <p:cNvSpPr txBox="1"/>
           <p:nvPr>
             <p:ph idx="1" type="body"/>
@@ -11503,7 +11617,7 @@
   <p:cSld>
     <p:spTree>
       <p:nvGrpSpPr>
-        <p:cNvPr id="211" name="Shape 211"/>
+        <p:cNvPr id="212" name="Shape 212"/>
         <p:cNvGrpSpPr/>
         <p:nvPr/>
       </p:nvGrpSpPr>
@@ -11517,7 +11631,7 @@
       </p:grpSpPr>
       <p:sp>
         <p:nvSpPr>
-          <p:cNvPr id="212" name="Google Shape;212;p32"/>
+          <p:cNvPr id="213" name="Google Shape;213;p32"/>
           <p:cNvSpPr txBox="1"/>
           <p:nvPr>
             <p:ph type="title"/>
@@ -11568,7 +11682,7 @@
       </p:sp>
       <p:pic>
         <p:nvPicPr>
-          <p:cNvPr id="213" name="Google Shape;213;p32"/>
+          <p:cNvPr id="214" name="Google Shape;214;p32"/>
           <p:cNvPicPr preferRelativeResize="0"/>
           <p:nvPr/>
         </p:nvPicPr>
@@ -11596,7 +11710,7 @@
       </p:pic>
       <p:sp>
         <p:nvSpPr>
-          <p:cNvPr id="214" name="Google Shape;214;p32"/>
+          <p:cNvPr id="215" name="Google Shape;215;p32"/>
           <p:cNvSpPr txBox="1"/>
           <p:nvPr/>
         </p:nvSpPr>
@@ -11705,7 +11819,7 @@
   <p:cSld>
     <p:spTree>
       <p:nvGrpSpPr>
-        <p:cNvPr id="218" name="Shape 218"/>
+        <p:cNvPr id="219" name="Shape 219"/>
         <p:cNvGrpSpPr/>
         <p:nvPr/>
       </p:nvGrpSpPr>
@@ -11719,7 +11833,7 @@
       </p:grpSpPr>
       <p:sp>
         <p:nvSpPr>
-          <p:cNvPr id="219" name="Google Shape;219;p33"/>
+          <p:cNvPr id="220" name="Google Shape;220;p33"/>
           <p:cNvSpPr txBox="1"/>
           <p:nvPr>
             <p:ph type="title"/>
@@ -11759,7 +11873,7 @@
       </p:sp>
       <p:sp>
         <p:nvSpPr>
-          <p:cNvPr id="220" name="Google Shape;220;p33"/>
+          <p:cNvPr id="221" name="Google Shape;221;p33"/>
           <p:cNvSpPr txBox="1"/>
           <p:nvPr>
             <p:ph idx="1" type="body"/>
@@ -12008,7 +12122,7 @@
   <p:cSld>
     <p:spTree>
       <p:nvGrpSpPr>
-        <p:cNvPr id="224" name="Shape 224"/>
+        <p:cNvPr id="225" name="Shape 225"/>
         <p:cNvGrpSpPr/>
         <p:nvPr/>
       </p:nvGrpSpPr>
@@ -12022,7 +12136,7 @@
       </p:grpSpPr>
       <p:sp>
         <p:nvSpPr>
-          <p:cNvPr id="225" name="Google Shape;225;p34"/>
+          <p:cNvPr id="226" name="Google Shape;226;p34"/>
           <p:cNvSpPr txBox="1"/>
           <p:nvPr>
             <p:ph type="title"/>
@@ -12062,7 +12176,7 @@
       </p:sp>
       <p:sp>
         <p:nvSpPr>
-          <p:cNvPr id="226" name="Google Shape;226;p34"/>
+          <p:cNvPr id="227" name="Google Shape;227;p34"/>
           <p:cNvSpPr txBox="1"/>
           <p:nvPr>
             <p:ph idx="1" type="body"/>
@@ -12118,7 +12232,7 @@
       </p:sp>
       <p:pic>
         <p:nvPicPr>
-          <p:cNvPr id="227" name="Google Shape;227;p34"/>
+          <p:cNvPr id="228" name="Google Shape;228;p34"/>
           <p:cNvPicPr preferRelativeResize="0"/>
           <p:nvPr/>
         </p:nvPicPr>
@@ -12169,7 +12283,7 @@
     </p:bg>
     <p:spTree>
       <p:nvGrpSpPr>
-        <p:cNvPr id="96" name="Shape 96"/>
+        <p:cNvPr id="97" name="Shape 97"/>
         <p:cNvGrpSpPr/>
         <p:nvPr/>
       </p:nvGrpSpPr>
@@ -12183,7 +12297,7 @@
       </p:grpSpPr>
       <p:sp>
         <p:nvSpPr>
-          <p:cNvPr id="97" name="Google Shape;97;p15"/>
+          <p:cNvPr id="98" name="Google Shape;98;p15"/>
           <p:cNvSpPr txBox="1"/>
           <p:nvPr>
             <p:ph type="title"/>
@@ -12214,16 +12328,16 @@
               <a:buNone/>
             </a:pPr>
             <a:r>
-              <a:rPr lang="en"/>
+              <a:rPr b="1" lang="en"/>
               <a:t>ABOUT BASEBALL</a:t>
             </a:r>
-            <a:endParaRPr/>
+            <a:endParaRPr b="1"/>
           </a:p>
         </p:txBody>
       </p:sp>
       <p:sp>
         <p:nvSpPr>
-          <p:cNvPr id="98" name="Google Shape;98;p15"/>
+          <p:cNvPr id="99" name="Google Shape;99;p15"/>
           <p:cNvSpPr txBox="1"/>
           <p:nvPr>
             <p:ph idx="1" type="body"/>
@@ -12322,7 +12436,7 @@
   <p:cSld>
     <p:spTree>
       <p:nvGrpSpPr>
-        <p:cNvPr id="102" name="Shape 102"/>
+        <p:cNvPr id="103" name="Shape 103"/>
         <p:cNvGrpSpPr/>
         <p:nvPr/>
       </p:nvGrpSpPr>
@@ -12336,7 +12450,7 @@
       </p:grpSpPr>
       <p:sp>
         <p:nvSpPr>
-          <p:cNvPr id="103" name="Google Shape;103;p16"/>
+          <p:cNvPr id="104" name="Google Shape;104;p16"/>
           <p:cNvSpPr txBox="1"/>
           <p:nvPr>
             <p:ph type="title"/>
@@ -12376,7 +12490,7 @@
       </p:sp>
       <p:sp>
         <p:nvSpPr>
-          <p:cNvPr id="104" name="Google Shape;104;p16"/>
+          <p:cNvPr id="105" name="Google Shape;105;p16"/>
           <p:cNvSpPr txBox="1"/>
           <p:nvPr>
             <p:ph idx="1" type="body"/>
@@ -12464,7 +12578,7 @@
       </p:sp>
       <p:pic>
         <p:nvPicPr>
-          <p:cNvPr id="105" name="Google Shape;105;p16"/>
+          <p:cNvPr id="106" name="Google Shape;106;p16"/>
           <p:cNvPicPr preferRelativeResize="0"/>
           <p:nvPr/>
         </p:nvPicPr>
@@ -12503,7 +12617,7 @@
   <p:cSld>
     <p:spTree>
       <p:nvGrpSpPr>
-        <p:cNvPr id="109" name="Shape 109"/>
+        <p:cNvPr id="110" name="Shape 110"/>
         <p:cNvGrpSpPr/>
         <p:nvPr/>
       </p:nvGrpSpPr>
@@ -12517,7 +12631,7 @@
       </p:grpSpPr>
       <p:sp>
         <p:nvSpPr>
-          <p:cNvPr id="110" name="Google Shape;110;p17"/>
+          <p:cNvPr id="111" name="Google Shape;111;p17"/>
           <p:cNvSpPr txBox="1"/>
           <p:nvPr>
             <p:ph type="title"/>
@@ -12557,7 +12671,7 @@
       </p:sp>
       <p:sp>
         <p:nvSpPr>
-          <p:cNvPr id="111" name="Google Shape;111;p17"/>
+          <p:cNvPr id="112" name="Google Shape;112;p17"/>
           <p:cNvSpPr txBox="1"/>
           <p:nvPr>
             <p:ph idx="1" type="body"/>
@@ -12685,7 +12799,7 @@
     </p:bg>
     <p:spTree>
       <p:nvGrpSpPr>
-        <p:cNvPr id="115" name="Shape 115"/>
+        <p:cNvPr id="116" name="Shape 116"/>
         <p:cNvGrpSpPr/>
         <p:nvPr/>
       </p:nvGrpSpPr>
@@ -12699,7 +12813,7 @@
       </p:grpSpPr>
       <p:sp>
         <p:nvSpPr>
-          <p:cNvPr id="116" name="Google Shape;116;p18"/>
+          <p:cNvPr id="117" name="Google Shape;117;p18"/>
           <p:cNvSpPr txBox="1"/>
           <p:nvPr>
             <p:ph type="title"/>
@@ -12752,7 +12866,7 @@
       </p:sp>
       <p:sp>
         <p:nvSpPr>
-          <p:cNvPr id="117" name="Google Shape;117;p18"/>
+          <p:cNvPr id="118" name="Google Shape;118;p18"/>
           <p:cNvSpPr txBox="1"/>
           <p:nvPr>
             <p:ph idx="1" type="body"/>
@@ -12760,7 +12874,7 @@
         </p:nvSpPr>
         <p:spPr>
           <a:xfrm>
-            <a:off x="311700" y="925075"/>
+            <a:off x="311700" y="813025"/>
             <a:ext cx="8520600" cy="2001600"/>
           </a:xfrm>
           <a:prstGeom prst="rect">
@@ -12848,7 +12962,7 @@
   <p:cSld>
     <p:spTree>
       <p:nvGrpSpPr>
-        <p:cNvPr id="121" name="Shape 121"/>
+        <p:cNvPr id="122" name="Shape 122"/>
         <p:cNvGrpSpPr/>
         <p:nvPr/>
       </p:nvGrpSpPr>
@@ -12862,128 +12976,7 @@
       </p:grpSpPr>
       <p:sp>
         <p:nvSpPr>
-          <p:cNvPr id="122" name="Google Shape;122;p19"/>
-          <p:cNvSpPr txBox="1"/>
-          <p:nvPr>
-            <p:ph type="title"/>
-          </p:nvPr>
-        </p:nvSpPr>
-        <p:spPr>
-          <a:xfrm>
-            <a:off x="311700" y="181400"/>
-            <a:ext cx="8520600" cy="607800"/>
-          </a:xfrm>
-          <a:prstGeom prst="rect">
-            <a:avLst/>
-          </a:prstGeom>
-        </p:spPr>
-        <p:txBody>
-          <a:bodyPr anchorCtr="0" anchor="t" bIns="91425" lIns="91425" spcFirstLastPara="1" rIns="91425" wrap="square" tIns="91425">
-            <a:normAutofit fontScale="90000"/>
-          </a:bodyPr>
-          <a:lstStyle/>
-          <a:p>
-            <a:pPr indent="0" lvl="0" marL="0" rtl="0" algn="l">
-              <a:spcBef>
-                <a:spcPts val="0"/>
-              </a:spcBef>
-              <a:spcAft>
-                <a:spcPts val="0"/>
-              </a:spcAft>
-              <a:buNone/>
-            </a:pPr>
-            <a:r>
-              <a:rPr lang="en"/>
-              <a:t>Data Visualization for Most Runs Scored</a:t>
-            </a:r>
-            <a:endParaRPr/>
-          </a:p>
-        </p:txBody>
-      </p:sp>
-      <p:pic>
-        <p:nvPicPr>
           <p:cNvPr id="123" name="Google Shape;123;p19"/>
-          <p:cNvPicPr preferRelativeResize="0"/>
-          <p:nvPr/>
-        </p:nvPicPr>
-        <p:blipFill>
-          <a:blip r:embed="rId3">
-            <a:alphaModFix/>
-          </a:blip>
-          <a:stretch>
-            <a:fillRect/>
-          </a:stretch>
-        </p:blipFill>
-        <p:spPr>
-          <a:xfrm>
-            <a:off x="1029075" y="996575"/>
-            <a:ext cx="2448250" cy="3740799"/>
-          </a:xfrm>
-          <a:prstGeom prst="rect">
-            <a:avLst/>
-          </a:prstGeom>
-          <a:noFill/>
-          <a:ln>
-            <a:noFill/>
-          </a:ln>
-        </p:spPr>
-      </p:pic>
-      <p:pic>
-        <p:nvPicPr>
-          <p:cNvPr id="124" name="Google Shape;124;p19"/>
-          <p:cNvPicPr preferRelativeResize="0"/>
-          <p:nvPr/>
-        </p:nvPicPr>
-        <p:blipFill>
-          <a:blip r:embed="rId4">
-            <a:alphaModFix/>
-          </a:blip>
-          <a:stretch>
-            <a:fillRect/>
-          </a:stretch>
-        </p:blipFill>
-        <p:spPr>
-          <a:xfrm>
-            <a:off x="4469401" y="844175"/>
-            <a:ext cx="3916550" cy="3916550"/>
-          </a:xfrm>
-          <a:prstGeom prst="rect">
-            <a:avLst/>
-          </a:prstGeom>
-          <a:noFill/>
-          <a:ln>
-            <a:noFill/>
-          </a:ln>
-        </p:spPr>
-      </p:pic>
-    </p:spTree>
-  </p:cSld>
-  <p:clrMapOvr>
-    <a:masterClrMapping/>
-  </p:clrMapOvr>
-</p:sld>
-</file>
-
-<file path=ppt/slides/slide8.xml><?xml version="1.0" encoding="utf-8"?>
-<p:sld xmlns:a="http://schemas.openxmlformats.org/drawingml/2006/main" xmlns:r="http://schemas.openxmlformats.org/officeDocument/2006/relationships" xmlns:mc="http://schemas.openxmlformats.org/markup-compatibility/2006" xmlns:mv="urn:schemas-microsoft-com:mac:vml" xmlns:p="http://schemas.openxmlformats.org/presentationml/2006/main" xmlns:c="http://schemas.openxmlformats.org/drawingml/2006/chart" xmlns:dgm="http://schemas.openxmlformats.org/drawingml/2006/diagram" xmlns:o="urn:schemas-microsoft-com:office:office" xmlns:v="urn:schemas-microsoft-com:vml" xmlns:pvml="urn:schemas-microsoft-com:office:powerpoint" xmlns:com="http://schemas.openxmlformats.org/drawingml/2006/compatibility" xmlns:p14="http://schemas.microsoft.com/office/powerpoint/2010/main" xmlns:p15="http://schemas.microsoft.com/office/powerpoint/2012/main" xmlns:ahyp="http://schemas.microsoft.com/office/drawing/2018/hyperlinkcolor">
-  <p:cSld>
-    <p:spTree>
-      <p:nvGrpSpPr>
-        <p:cNvPr id="128" name="Shape 128"/>
-        <p:cNvGrpSpPr/>
-        <p:nvPr/>
-      </p:nvGrpSpPr>
-      <p:grpSpPr>
-        <a:xfrm>
-          <a:off x="0" y="0"/>
-          <a:ext cx="0" cy="0"/>
-          <a:chOff x="0" y="0"/>
-          <a:chExt cx="0" cy="0"/>
-        </a:xfrm>
-      </p:grpSpPr>
-      <p:sp>
-        <p:nvSpPr>
-          <p:cNvPr id="129" name="Google Shape;129;p20"/>
           <p:cNvSpPr txBox="1"/>
           <p:nvPr>
             <p:ph type="title"/>
@@ -13069,7 +13062,7 @@
       </p:sp>
       <p:pic>
         <p:nvPicPr>
-          <p:cNvPr id="130" name="Google Shape;130;p20"/>
+          <p:cNvPr id="124" name="Google Shape;124;p19"/>
           <p:cNvPicPr preferRelativeResize="0"/>
           <p:nvPr/>
         </p:nvPicPr>
@@ -13097,7 +13090,7 @@
       </p:pic>
       <p:sp>
         <p:nvSpPr>
-          <p:cNvPr id="131" name="Google Shape;131;p20"/>
+          <p:cNvPr id="125" name="Google Shape;125;p19"/>
           <p:cNvSpPr txBox="1"/>
           <p:nvPr/>
         </p:nvSpPr>
@@ -13161,12 +13154,12 @@
 </p:sld>
 </file>
 
-<file path=ppt/slides/slide9.xml><?xml version="1.0" encoding="utf-8"?>
+<file path=ppt/slides/slide8.xml><?xml version="1.0" encoding="utf-8"?>
 <p:sld xmlns:a="http://schemas.openxmlformats.org/drawingml/2006/main" xmlns:r="http://schemas.openxmlformats.org/officeDocument/2006/relationships" xmlns:mc="http://schemas.openxmlformats.org/markup-compatibility/2006" xmlns:mv="urn:schemas-microsoft-com:mac:vml" xmlns:p="http://schemas.openxmlformats.org/presentationml/2006/main" xmlns:c="http://schemas.openxmlformats.org/drawingml/2006/chart" xmlns:dgm="http://schemas.openxmlformats.org/drawingml/2006/diagram" xmlns:o="urn:schemas-microsoft-com:office:office" xmlns:v="urn:schemas-microsoft-com:vml" xmlns:pvml="urn:schemas-microsoft-com:office:powerpoint" xmlns:com="http://schemas.openxmlformats.org/drawingml/2006/compatibility" xmlns:p14="http://schemas.microsoft.com/office/powerpoint/2010/main" xmlns:p15="http://schemas.microsoft.com/office/powerpoint/2012/main" xmlns:ahyp="http://schemas.microsoft.com/office/drawing/2018/hyperlinkcolor">
   <p:cSld>
     <p:spTree>
       <p:nvGrpSpPr>
-        <p:cNvPr id="135" name="Shape 135"/>
+        <p:cNvPr id="129" name="Shape 129"/>
         <p:cNvGrpSpPr/>
         <p:nvPr/>
       </p:nvGrpSpPr>
@@ -13180,7 +13173,7 @@
       </p:grpSpPr>
       <p:sp>
         <p:nvSpPr>
-          <p:cNvPr id="136" name="Google Shape;136;p21"/>
+          <p:cNvPr id="130" name="Google Shape;130;p20"/>
           <p:cNvSpPr txBox="1"/>
           <p:nvPr>
             <p:ph type="title"/>
@@ -13231,7 +13224,7 @@
       </p:sp>
       <p:pic>
         <p:nvPicPr>
-          <p:cNvPr id="137" name="Google Shape;137;p21"/>
+          <p:cNvPr id="131" name="Google Shape;131;p20"/>
           <p:cNvPicPr preferRelativeResize="0"/>
           <p:nvPr/>
         </p:nvPicPr>
@@ -13259,7 +13252,7 @@
       </p:pic>
       <p:pic>
         <p:nvPicPr>
-          <p:cNvPr id="138" name="Google Shape;138;p21"/>
+          <p:cNvPr id="132" name="Google Shape;132;p20"/>
           <p:cNvPicPr preferRelativeResize="0"/>
           <p:nvPr/>
         </p:nvPicPr>
@@ -13293,7 +13286,469 @@
 </p:sld>
 </file>
 
+<file path=ppt/slides/slide9.xml><?xml version="1.0" encoding="utf-8"?>
+<p:sld xmlns:a="http://schemas.openxmlformats.org/drawingml/2006/main" xmlns:r="http://schemas.openxmlformats.org/officeDocument/2006/relationships" xmlns:mc="http://schemas.openxmlformats.org/markup-compatibility/2006" xmlns:mv="urn:schemas-microsoft-com:mac:vml" xmlns:p="http://schemas.openxmlformats.org/presentationml/2006/main" xmlns:c="http://schemas.openxmlformats.org/drawingml/2006/chart" xmlns:dgm="http://schemas.openxmlformats.org/drawingml/2006/diagram" xmlns:o="urn:schemas-microsoft-com:office:office" xmlns:v="urn:schemas-microsoft-com:vml" xmlns:pvml="urn:schemas-microsoft-com:office:powerpoint" xmlns:com="http://schemas.openxmlformats.org/drawingml/2006/compatibility" xmlns:p14="http://schemas.microsoft.com/office/powerpoint/2010/main" xmlns:p15="http://schemas.microsoft.com/office/powerpoint/2012/main" xmlns:ahyp="http://schemas.microsoft.com/office/drawing/2018/hyperlinkcolor">
+  <p:cSld>
+    <p:spTree>
+      <p:nvGrpSpPr>
+        <p:cNvPr id="136" name="Shape 136"/>
+        <p:cNvGrpSpPr/>
+        <p:nvPr/>
+      </p:nvGrpSpPr>
+      <p:grpSpPr>
+        <a:xfrm>
+          <a:off x="0" y="0"/>
+          <a:ext cx="0" cy="0"/>
+          <a:chOff x="0" y="0"/>
+          <a:chExt cx="0" cy="0"/>
+        </a:xfrm>
+      </p:grpSpPr>
+      <p:sp>
+        <p:nvSpPr>
+          <p:cNvPr id="137" name="Google Shape;137;p21"/>
+          <p:cNvSpPr txBox="1"/>
+          <p:nvPr>
+            <p:ph type="title"/>
+          </p:nvPr>
+        </p:nvSpPr>
+        <p:spPr>
+          <a:xfrm>
+            <a:off x="311700" y="105200"/>
+            <a:ext cx="8520600" cy="607800"/>
+          </a:xfrm>
+          <a:prstGeom prst="rect">
+            <a:avLst/>
+          </a:prstGeom>
+        </p:spPr>
+        <p:txBody>
+          <a:bodyPr anchorCtr="0" anchor="t" bIns="91425" lIns="91425" spcFirstLastPara="1" rIns="91425" wrap="square" tIns="91425">
+            <a:normAutofit fontScale="90000"/>
+          </a:bodyPr>
+          <a:lstStyle/>
+          <a:p>
+            <a:pPr indent="0" lvl="0" marL="0" rtl="0" algn="l">
+              <a:spcBef>
+                <a:spcPts val="0"/>
+              </a:spcBef>
+              <a:spcAft>
+                <a:spcPts val="0"/>
+              </a:spcAft>
+              <a:buNone/>
+            </a:pPr>
+            <a:r>
+              <a:rPr lang="en"/>
+              <a:t>Success Rate Of Each Team</a:t>
+            </a:r>
+            <a:endParaRPr/>
+          </a:p>
+        </p:txBody>
+      </p:sp>
+      <p:pic>
+        <p:nvPicPr>
+          <p:cNvPr id="138" name="Google Shape;138;p21"/>
+          <p:cNvPicPr preferRelativeResize="0"/>
+          <p:nvPr/>
+        </p:nvPicPr>
+        <p:blipFill>
+          <a:blip r:embed="rId3">
+            <a:alphaModFix/>
+          </a:blip>
+          <a:stretch>
+            <a:fillRect/>
+          </a:stretch>
+        </p:blipFill>
+        <p:spPr>
+          <a:xfrm>
+            <a:off x="4402275" y="725625"/>
+            <a:ext cx="4001800" cy="3767175"/>
+          </a:xfrm>
+          <a:prstGeom prst="rect">
+            <a:avLst/>
+          </a:prstGeom>
+          <a:noFill/>
+          <a:ln>
+            <a:noFill/>
+          </a:ln>
+        </p:spPr>
+      </p:pic>
+      <p:sp>
+        <p:nvSpPr>
+          <p:cNvPr id="139" name="Google Shape;139;p21"/>
+          <p:cNvSpPr txBox="1"/>
+          <p:nvPr/>
+        </p:nvSpPr>
+        <p:spPr>
+          <a:xfrm>
+            <a:off x="736000" y="1082850"/>
+            <a:ext cx="3384000" cy="3545400"/>
+          </a:xfrm>
+          <a:prstGeom prst="rect">
+            <a:avLst/>
+          </a:prstGeom>
+          <a:noFill/>
+          <a:ln>
+            <a:noFill/>
+          </a:ln>
+        </p:spPr>
+        <p:txBody>
+          <a:bodyPr anchorCtr="0" anchor="t" bIns="91425" lIns="91425" spcFirstLastPara="1" rIns="91425" wrap="square" tIns="91425">
+            <a:spAutoFit/>
+          </a:bodyPr>
+          <a:lstStyle/>
+          <a:p>
+            <a:pPr indent="0" lvl="0" marL="0" rtl="0" algn="l">
+              <a:lnSpc>
+                <a:spcPct val="175000"/>
+              </a:lnSpc>
+              <a:spcBef>
+                <a:spcPts val="1500"/>
+              </a:spcBef>
+              <a:spcAft>
+                <a:spcPts val="0"/>
+              </a:spcAft>
+              <a:buNone/>
+            </a:pPr>
+            <a:r>
+              <a:rPr lang="en" sz="1450"/>
+              <a:t>In this graph, we can see that the Cleveland Guardians have the highest winning success rate of 62.5, followed by San Francisco giants. without doing a full statistical analysis, it seems clear that the teams that play more games tend to have a higher win percentage.</a:t>
+            </a:r>
+            <a:endParaRPr sz="1450"/>
+          </a:p>
+          <a:p>
+            <a:pPr indent="0" lvl="0" marL="0" rtl="0" algn="l">
+              <a:lnSpc>
+                <a:spcPct val="175000"/>
+              </a:lnSpc>
+              <a:spcBef>
+                <a:spcPts val="0"/>
+              </a:spcBef>
+              <a:spcAft>
+                <a:spcPts val="0"/>
+              </a:spcAft>
+              <a:buNone/>
+            </a:pPr>
+            <a:r>
+              <a:t/>
+            </a:r>
+            <a:endParaRPr sz="1050">
+              <a:latin typeface="Roboto"/>
+              <a:ea typeface="Roboto"/>
+              <a:cs typeface="Roboto"/>
+              <a:sym typeface="Roboto"/>
+            </a:endParaRPr>
+          </a:p>
+          <a:p>
+            <a:pPr indent="0" lvl="0" marL="0" rtl="0" algn="l">
+              <a:lnSpc>
+                <a:spcPct val="125000"/>
+              </a:lnSpc>
+              <a:spcBef>
+                <a:spcPts val="1000"/>
+              </a:spcBef>
+              <a:spcAft>
+                <a:spcPts val="0"/>
+              </a:spcAft>
+              <a:buNone/>
+            </a:pPr>
+            <a:r>
+              <a:t/>
+            </a:r>
+            <a:endParaRPr>
+              <a:solidFill>
+                <a:srgbClr val="424242"/>
+              </a:solidFill>
+            </a:endParaRPr>
+          </a:p>
+        </p:txBody>
+      </p:sp>
+    </p:spTree>
+  </p:cSld>
+  <p:clrMapOvr>
+    <a:masterClrMapping/>
+  </p:clrMapOvr>
+</p:sld>
+</file>
+
 <file path=ppt/theme/theme1.xml><?xml version="1.0" encoding="utf-8"?>
+<a:theme xmlns:a="http://schemas.openxmlformats.org/drawingml/2006/main" xmlns:r="http://schemas.openxmlformats.org/officeDocument/2006/relationships">
+  <a:themeElements>
+    <a:clrScheme name="Default">
+      <a:dk1>
+        <a:srgbClr val="000000"/>
+      </a:dk1>
+      <a:lt1>
+        <a:srgbClr val="FFFFFF"/>
+      </a:lt1>
+      <a:dk2>
+        <a:srgbClr val="158158"/>
+      </a:dk2>
+      <a:lt2>
+        <a:srgbClr val="F3F3F3"/>
+      </a:lt2>
+      <a:accent1>
+        <a:srgbClr val="058DC7"/>
+      </a:accent1>
+      <a:accent2>
+        <a:srgbClr val="50B432"/>
+      </a:accent2>
+      <a:accent3>
+        <a:srgbClr val="ED561B"/>
+      </a:accent3>
+      <a:accent4>
+        <a:srgbClr val="EDEF00"/>
+      </a:accent4>
+      <a:accent5>
+        <a:srgbClr val="24CBE5"/>
+      </a:accent5>
+      <a:accent6>
+        <a:srgbClr val="64E572"/>
+      </a:accent6>
+      <a:hlink>
+        <a:srgbClr val="2200CC"/>
+      </a:hlink>
+      <a:folHlink>
+        <a:srgbClr val="551A8B"/>
+      </a:folHlink>
+    </a:clrScheme>
+    <a:fontScheme name="Office">
+      <a:majorFont>
+        <a:latin typeface="Arial"/>
+        <a:ea typeface=""/>
+        <a:cs typeface=""/>
+        <a:font script="Jpan" typeface="ＭＳ Ｐゴシック"/>
+        <a:font script="Hang" typeface="맑은 고딕"/>
+        <a:font script="Hans" typeface="宋体"/>
+        <a:font script="Hant" typeface="新細明體"/>
+        <a:font script="Arab" typeface="Times New Roman"/>
+        <a:font script="Hebr" typeface="Times New Roman"/>
+        <a:font script="Thai" typeface="Angsana New"/>
+        <a:font script="Ethi" typeface="Nyala"/>
+        <a:font script="Beng" typeface="Vrinda"/>
+        <a:font script="Gujr" typeface="Shruti"/>
+        <a:font script="Khmr" typeface="MoolBoran"/>
+        <a:font script="Knda" typeface="Tunga"/>
+        <a:font script="Guru" typeface="Raavi"/>
+        <a:font script="Cans" typeface="Euphemia"/>
+        <a:font script="Cher" typeface="Plantagenet Cherokee"/>
+        <a:font script="Yiii" typeface="Microsoft Yi Baiti"/>
+        <a:font script="Tibt" typeface="Microsoft Himalaya"/>
+        <a:font script="Thaa" typeface="MV Boli"/>
+        <a:font script="Deva" typeface="Mangal"/>
+        <a:font script="Telu" typeface="Gautami"/>
+        <a:font script="Taml" typeface="Latha"/>
+        <a:font script="Syrc" typeface="Estrangelo Edessa"/>
+        <a:font script="Orya" typeface="Kalinga"/>
+        <a:font script="Mlym" typeface="Kartika"/>
+        <a:font script="Laoo" typeface="DokChampa"/>
+        <a:font script="Sinh" typeface="Iskoola Pota"/>
+        <a:font script="Mong" typeface="Mongolian Baiti"/>
+        <a:font script="Viet" typeface="Times New Roman"/>
+        <a:font script="Uigh" typeface="Microsoft Uighur"/>
+        <a:font script="Geor" typeface="Sylfaen"/>
+      </a:majorFont>
+      <a:minorFont>
+        <a:latin typeface="Arial"/>
+        <a:ea typeface=""/>
+        <a:cs typeface=""/>
+        <a:font script="Jpan" typeface="ＭＳ Ｐゴシック"/>
+        <a:font script="Hang" typeface="맑은 고딕"/>
+        <a:font script="Hans" typeface="宋体"/>
+        <a:font script="Hant" typeface="新細明體"/>
+        <a:font script="Arab" typeface="Arial"/>
+        <a:font script="Hebr" typeface="Arial"/>
+        <a:font script="Thai" typeface="Cordia New"/>
+        <a:font script="Ethi" typeface="Nyala"/>
+        <a:font script="Beng" typeface="Vrinda"/>
+        <a:font script="Gujr" typeface="Shruti"/>
+        <a:font script="Khmr" typeface="DaunPenh"/>
+        <a:font script="Knda" typeface="Tunga"/>
+        <a:font script="Guru" typeface="Raavi"/>
+        <a:font script="Cans" typeface="Euphemia"/>
+        <a:font script="Cher" typeface="Plantagenet Cherokee"/>
+        <a:font script="Yiii" typeface="Microsoft Yi Baiti"/>
+        <a:font script="Tibt" typeface="Microsoft Himalaya"/>
+        <a:font script="Thaa" typeface="MV Boli"/>
+        <a:font script="Deva" typeface="Mangal"/>
+        <a:font script="Telu" typeface="Gautami"/>
+        <a:font script="Taml" typeface="Latha"/>
+        <a:font script="Syrc" typeface="Estrangelo Edessa"/>
+        <a:font script="Orya" typeface="Kalinga"/>
+        <a:font script="Mlym" typeface="Kartika"/>
+        <a:font script="Laoo" typeface="DokChampa"/>
+        <a:font script="Sinh" typeface="Iskoola Pota"/>
+        <a:font script="Mong" typeface="Mongolian Baiti"/>
+        <a:font script="Viet" typeface="Arial"/>
+        <a:font script="Uigh" typeface="Microsoft Uighur"/>
+        <a:font script="Geor" typeface="Sylfaen"/>
+      </a:minorFont>
+    </a:fontScheme>
+    <a:fmtScheme name="Office">
+      <a:fillStyleLst>
+        <a:solidFill>
+          <a:schemeClr val="phClr"/>
+        </a:solidFill>
+        <a:gradFill rotWithShape="1">
+          <a:gsLst>
+            <a:gs pos="0">
+              <a:schemeClr val="phClr">
+                <a:tint val="50000"/>
+                <a:satMod val="300000"/>
+              </a:schemeClr>
+            </a:gs>
+            <a:gs pos="35000">
+              <a:schemeClr val="phClr">
+                <a:tint val="37000"/>
+                <a:satMod val="300000"/>
+              </a:schemeClr>
+            </a:gs>
+            <a:gs pos="100000">
+              <a:schemeClr val="phClr">
+                <a:tint val="15000"/>
+                <a:satMod val="350000"/>
+              </a:schemeClr>
+            </a:gs>
+          </a:gsLst>
+          <a:lin ang="16200000" scaled="1"/>
+        </a:gradFill>
+        <a:gradFill rotWithShape="1">
+          <a:gsLst>
+            <a:gs pos="0">
+              <a:schemeClr val="phClr">
+                <a:tint val="100000"/>
+                <a:shade val="100000"/>
+                <a:satMod val="130000"/>
+              </a:schemeClr>
+            </a:gs>
+            <a:gs pos="100000">
+              <a:schemeClr val="phClr">
+                <a:tint val="50000"/>
+                <a:shade val="100000"/>
+                <a:satMod val="350000"/>
+              </a:schemeClr>
+            </a:gs>
+          </a:gsLst>
+          <a:lin ang="16200000" scaled="0"/>
+        </a:gradFill>
+      </a:fillStyleLst>
+      <a:lnStyleLst>
+        <a:ln w="9525" cap="flat" cmpd="sng" algn="ctr">
+          <a:solidFill>
+            <a:schemeClr val="phClr">
+              <a:shade val="95000"/>
+              <a:satMod val="105000"/>
+            </a:schemeClr>
+          </a:solidFill>
+          <a:prstDash val="solid"/>
+        </a:ln>
+        <a:ln w="25400" cap="flat" cmpd="sng" algn="ctr">
+          <a:solidFill>
+            <a:schemeClr val="phClr"/>
+          </a:solidFill>
+          <a:prstDash val="solid"/>
+        </a:ln>
+        <a:ln w="38100" cap="flat" cmpd="sng" algn="ctr">
+          <a:solidFill>
+            <a:schemeClr val="phClr"/>
+          </a:solidFill>
+          <a:prstDash val="solid"/>
+        </a:ln>
+      </a:lnStyleLst>
+      <a:effectStyleLst>
+        <a:effectStyle>
+          <a:effectLst>
+            <a:outerShdw blurRad="40000" dist="20000" dir="5400000" rotWithShape="0">
+              <a:srgbClr val="000000">
+                <a:alpha val="38000"/>
+              </a:srgbClr>
+            </a:outerShdw>
+          </a:effectLst>
+        </a:effectStyle>
+        <a:effectStyle>
+          <a:effectLst>
+            <a:outerShdw blurRad="40000" dist="23000" dir="5400000" rotWithShape="0">
+              <a:srgbClr val="000000">
+                <a:alpha val="35000"/>
+              </a:srgbClr>
+            </a:outerShdw>
+          </a:effectLst>
+        </a:effectStyle>
+        <a:effectStyle>
+          <a:effectLst>
+            <a:outerShdw blurRad="40000" dist="23000" dir="5400000" rotWithShape="0">
+              <a:srgbClr val="000000">
+                <a:alpha val="35000"/>
+              </a:srgbClr>
+            </a:outerShdw>
+          </a:effectLst>
+          <a:scene3d>
+            <a:camera prst="orthographicFront">
+              <a:rot lat="0" lon="0" rev="0"/>
+            </a:camera>
+            <a:lightRig rig="threePt" dir="t">
+              <a:rot lat="0" lon="0" rev="1200000"/>
+            </a:lightRig>
+          </a:scene3d>
+          <a:sp3d>
+            <a:bevelT w="63500" h="25400"/>
+          </a:sp3d>
+        </a:effectStyle>
+      </a:effectStyleLst>
+      <a:bgFillStyleLst>
+        <a:solidFill>
+          <a:schemeClr val="phClr"/>
+        </a:solidFill>
+        <a:gradFill rotWithShape="1">
+          <a:gsLst>
+            <a:gs pos="0">
+              <a:schemeClr val="phClr">
+                <a:tint val="40000"/>
+                <a:satMod val="350000"/>
+              </a:schemeClr>
+            </a:gs>
+            <a:gs pos="40000">
+              <a:schemeClr val="phClr">
+                <a:tint val="45000"/>
+                <a:shade val="99000"/>
+                <a:satMod val="350000"/>
+              </a:schemeClr>
+            </a:gs>
+            <a:gs pos="100000">
+              <a:schemeClr val="phClr">
+                <a:shade val="20000"/>
+                <a:satMod val="255000"/>
+              </a:schemeClr>
+            </a:gs>
+          </a:gsLst>
+          <a:path path="circle">
+            <a:fillToRect l="50000" t="-80000" r="50000" b="180000"/>
+          </a:path>
+        </a:gradFill>
+        <a:gradFill rotWithShape="1">
+          <a:gsLst>
+            <a:gs pos="0">
+              <a:schemeClr val="phClr">
+                <a:tint val="80000"/>
+                <a:satMod val="300000"/>
+              </a:schemeClr>
+            </a:gs>
+            <a:gs pos="100000">
+              <a:schemeClr val="phClr">
+                <a:shade val="30000"/>
+                <a:satMod val="200000"/>
+              </a:schemeClr>
+            </a:gs>
+          </a:gsLst>
+          <a:path path="circle">
+            <a:fillToRect l="50000" t="50000" r="50000" b="50000"/>
+          </a:path>
+        </a:gradFill>
+      </a:bgFillStyleLst>
+    </a:fmtScheme>
+  </a:themeElements>
+</a:theme>
+</file>
+
+<file path=ppt/theme/theme2.xml><?xml version="1.0" encoding="utf-8"?>
 <a:theme xmlns:a="http://schemas.openxmlformats.org/drawingml/2006/main" xmlns:r="http://schemas.openxmlformats.org/officeDocument/2006/relationships" name="Geometric">
   <a:themeElements>
     <a:clrScheme name="Geometric">
@@ -13570,283 +14025,4 @@
     </a:fmtScheme>
   </a:themeElements>
 </a:theme>
-</file>
-
-<file path=ppt/theme/theme2.xml><?xml version="1.0" encoding="utf-8"?>
-<a:theme xmlns:a="http://schemas.openxmlformats.org/drawingml/2006/main" xmlns:r="http://schemas.openxmlformats.org/officeDocument/2006/relationships">
-  <a:themeElements>
-    <a:clrScheme name="Default">
-      <a:dk1>
-        <a:srgbClr val="000000"/>
-      </a:dk1>
-      <a:lt1>
-        <a:srgbClr val="FFFFFF"/>
-      </a:lt1>
-      <a:dk2>
-        <a:srgbClr val="158158"/>
-      </a:dk2>
-      <a:lt2>
-        <a:srgbClr val="F3F3F3"/>
-      </a:lt2>
-      <a:accent1>
-        <a:srgbClr val="058DC7"/>
-      </a:accent1>
-      <a:accent2>
-        <a:srgbClr val="50B432"/>
-      </a:accent2>
-      <a:accent3>
-        <a:srgbClr val="ED561B"/>
-      </a:accent3>
-      <a:accent4>
-        <a:srgbClr val="EDEF00"/>
-      </a:accent4>
-      <a:accent5>
-        <a:srgbClr val="24CBE5"/>
-      </a:accent5>
-      <a:accent6>
-        <a:srgbClr val="64E572"/>
-      </a:accent6>
-      <a:hlink>
-        <a:srgbClr val="2200CC"/>
-      </a:hlink>
-      <a:folHlink>
-        <a:srgbClr val="551A8B"/>
-      </a:folHlink>
-    </a:clrScheme>
-    <a:fontScheme name="Office">
-      <a:majorFont>
-        <a:latin typeface="Arial"/>
-        <a:ea typeface=""/>
-        <a:cs typeface=""/>
-        <a:font script="Jpan" typeface="ＭＳ Ｐゴシック"/>
-        <a:font script="Hang" typeface="맑은 고딕"/>
-        <a:font script="Hans" typeface="宋体"/>
-        <a:font script="Hant" typeface="新細明體"/>
-        <a:font script="Arab" typeface="Times New Roman"/>
-        <a:font script="Hebr" typeface="Times New Roman"/>
-        <a:font script="Thai" typeface="Angsana New"/>
-        <a:font script="Ethi" typeface="Nyala"/>
-        <a:font script="Beng" typeface="Vrinda"/>
-        <a:font script="Gujr" typeface="Shruti"/>
-        <a:font script="Khmr" typeface="MoolBoran"/>
-        <a:font script="Knda" typeface="Tunga"/>
-        <a:font script="Guru" typeface="Raavi"/>
-        <a:font script="Cans" typeface="Euphemia"/>
-        <a:font script="Cher" typeface="Plantagenet Cherokee"/>
-        <a:font script="Yiii" typeface="Microsoft Yi Baiti"/>
-        <a:font script="Tibt" typeface="Microsoft Himalaya"/>
-        <a:font script="Thaa" typeface="MV Boli"/>
-        <a:font script="Deva" typeface="Mangal"/>
-        <a:font script="Telu" typeface="Gautami"/>
-        <a:font script="Taml" typeface="Latha"/>
-        <a:font script="Syrc" typeface="Estrangelo Edessa"/>
-        <a:font script="Orya" typeface="Kalinga"/>
-        <a:font script="Mlym" typeface="Kartika"/>
-        <a:font script="Laoo" typeface="DokChampa"/>
-        <a:font script="Sinh" typeface="Iskoola Pota"/>
-        <a:font script="Mong" typeface="Mongolian Baiti"/>
-        <a:font script="Viet" typeface="Times New Roman"/>
-        <a:font script="Uigh" typeface="Microsoft Uighur"/>
-        <a:font script="Geor" typeface="Sylfaen"/>
-      </a:majorFont>
-      <a:minorFont>
-        <a:latin typeface="Arial"/>
-        <a:ea typeface=""/>
-        <a:cs typeface=""/>
-        <a:font script="Jpan" typeface="ＭＳ Ｐゴシック"/>
-        <a:font script="Hang" typeface="맑은 고딕"/>
-        <a:font script="Hans" typeface="宋体"/>
-        <a:font script="Hant" typeface="新細明體"/>
-        <a:font script="Arab" typeface="Arial"/>
-        <a:font script="Hebr" typeface="Arial"/>
-        <a:font script="Thai" typeface="Cordia New"/>
-        <a:font script="Ethi" typeface="Nyala"/>
-        <a:font script="Beng" typeface="Vrinda"/>
-        <a:font script="Gujr" typeface="Shruti"/>
-        <a:font script="Khmr" typeface="DaunPenh"/>
-        <a:font script="Knda" typeface="Tunga"/>
-        <a:font script="Guru" typeface="Raavi"/>
-        <a:font script="Cans" typeface="Euphemia"/>
-        <a:font script="Cher" typeface="Plantagenet Cherokee"/>
-        <a:font script="Yiii" typeface="Microsoft Yi Baiti"/>
-        <a:font script="Tibt" typeface="Microsoft Himalaya"/>
-        <a:font script="Thaa" typeface="MV Boli"/>
-        <a:font script="Deva" typeface="Mangal"/>
-        <a:font script="Telu" typeface="Gautami"/>
-        <a:font script="Taml" typeface="Latha"/>
-        <a:font script="Syrc" typeface="Estrangelo Edessa"/>
-        <a:font script="Orya" typeface="Kalinga"/>
-        <a:font script="Mlym" typeface="Kartika"/>
-        <a:font script="Laoo" typeface="DokChampa"/>
-        <a:font script="Sinh" typeface="Iskoola Pota"/>
-        <a:font script="Mong" typeface="Mongolian Baiti"/>
-        <a:font script="Viet" typeface="Arial"/>
-        <a:font script="Uigh" typeface="Microsoft Uighur"/>
-        <a:font script="Geor" typeface="Sylfaen"/>
-      </a:minorFont>
-    </a:fontScheme>
-    <a:fmtScheme name="Office">
-      <a:fillStyleLst>
-        <a:solidFill>
-          <a:schemeClr val="phClr"/>
-        </a:solidFill>
-        <a:gradFill rotWithShape="1">
-          <a:gsLst>
-            <a:gs pos="0">
-              <a:schemeClr val="phClr">
-                <a:tint val="50000"/>
-                <a:satMod val="300000"/>
-              </a:schemeClr>
-            </a:gs>
-            <a:gs pos="35000">
-              <a:schemeClr val="phClr">
-                <a:tint val="37000"/>
-                <a:satMod val="300000"/>
-              </a:schemeClr>
-            </a:gs>
-            <a:gs pos="100000">
-              <a:schemeClr val="phClr">
-                <a:tint val="15000"/>
-                <a:satMod val="350000"/>
-              </a:schemeClr>
-            </a:gs>
-          </a:gsLst>
-          <a:lin ang="16200000" scaled="1"/>
-        </a:gradFill>
-        <a:gradFill rotWithShape="1">
-          <a:gsLst>
-            <a:gs pos="0">
-              <a:schemeClr val="phClr">
-                <a:tint val="100000"/>
-                <a:shade val="100000"/>
-                <a:satMod val="130000"/>
-              </a:schemeClr>
-            </a:gs>
-            <a:gs pos="100000">
-              <a:schemeClr val="phClr">
-                <a:tint val="50000"/>
-                <a:shade val="100000"/>
-                <a:satMod val="350000"/>
-              </a:schemeClr>
-            </a:gs>
-          </a:gsLst>
-          <a:lin ang="16200000" scaled="0"/>
-        </a:gradFill>
-      </a:fillStyleLst>
-      <a:lnStyleLst>
-        <a:ln w="9525" cap="flat" cmpd="sng" algn="ctr">
-          <a:solidFill>
-            <a:schemeClr val="phClr">
-              <a:shade val="95000"/>
-              <a:satMod val="105000"/>
-            </a:schemeClr>
-          </a:solidFill>
-          <a:prstDash val="solid"/>
-        </a:ln>
-        <a:ln w="25400" cap="flat" cmpd="sng" algn="ctr">
-          <a:solidFill>
-            <a:schemeClr val="phClr"/>
-          </a:solidFill>
-          <a:prstDash val="solid"/>
-        </a:ln>
-        <a:ln w="38100" cap="flat" cmpd="sng" algn="ctr">
-          <a:solidFill>
-            <a:schemeClr val="phClr"/>
-          </a:solidFill>
-          <a:prstDash val="solid"/>
-        </a:ln>
-      </a:lnStyleLst>
-      <a:effectStyleLst>
-        <a:effectStyle>
-          <a:effectLst>
-            <a:outerShdw blurRad="40000" dist="20000" dir="5400000" rotWithShape="0">
-              <a:srgbClr val="000000">
-                <a:alpha val="38000"/>
-              </a:srgbClr>
-            </a:outerShdw>
-          </a:effectLst>
-        </a:effectStyle>
-        <a:effectStyle>
-          <a:effectLst>
-            <a:outerShdw blurRad="40000" dist="23000" dir="5400000" rotWithShape="0">
-              <a:srgbClr val="000000">
-                <a:alpha val="35000"/>
-              </a:srgbClr>
-            </a:outerShdw>
-          </a:effectLst>
-        </a:effectStyle>
-        <a:effectStyle>
-          <a:effectLst>
-            <a:outerShdw blurRad="40000" dist="23000" dir="5400000" rotWithShape="0">
-              <a:srgbClr val="000000">
-                <a:alpha val="35000"/>
-              </a:srgbClr>
-            </a:outerShdw>
-          </a:effectLst>
-          <a:scene3d>
-            <a:camera prst="orthographicFront">
-              <a:rot lat="0" lon="0" rev="0"/>
-            </a:camera>
-            <a:lightRig rig="threePt" dir="t">
-              <a:rot lat="0" lon="0" rev="1200000"/>
-            </a:lightRig>
-          </a:scene3d>
-          <a:sp3d>
-            <a:bevelT w="63500" h="25400"/>
-          </a:sp3d>
-        </a:effectStyle>
-      </a:effectStyleLst>
-      <a:bgFillStyleLst>
-        <a:solidFill>
-          <a:schemeClr val="phClr"/>
-        </a:solidFill>
-        <a:gradFill rotWithShape="1">
-          <a:gsLst>
-            <a:gs pos="0">
-              <a:schemeClr val="phClr">
-                <a:tint val="40000"/>
-                <a:satMod val="350000"/>
-              </a:schemeClr>
-            </a:gs>
-            <a:gs pos="40000">
-              <a:schemeClr val="phClr">
-                <a:tint val="45000"/>
-                <a:shade val="99000"/>
-                <a:satMod val="350000"/>
-              </a:schemeClr>
-            </a:gs>
-            <a:gs pos="100000">
-              <a:schemeClr val="phClr">
-                <a:shade val="20000"/>
-                <a:satMod val="255000"/>
-              </a:schemeClr>
-            </a:gs>
-          </a:gsLst>
-          <a:path path="circle">
-            <a:fillToRect l="50000" t="-80000" r="50000" b="180000"/>
-          </a:path>
-        </a:gradFill>
-        <a:gradFill rotWithShape="1">
-          <a:gsLst>
-            <a:gs pos="0">
-              <a:schemeClr val="phClr">
-                <a:tint val="80000"/>
-                <a:satMod val="300000"/>
-              </a:schemeClr>
-            </a:gs>
-            <a:gs pos="100000">
-              <a:schemeClr val="phClr">
-                <a:shade val="30000"/>
-                <a:satMod val="200000"/>
-              </a:schemeClr>
-            </a:gs>
-          </a:gsLst>
-          <a:path path="circle">
-            <a:fillToRect l="50000" t="50000" r="50000" b="50000"/>
-          </a:path>
-        </a:gradFill>
-      </a:bgFillStyleLst>
-    </a:fmtScheme>
-  </a:themeElements>
-</a:theme>
 </file>